--- a/Lectures/C10.a_Capstone-a.pptx
+++ b/Lectures/C10.a_Capstone-a.pptx
@@ -1647,7 +1647,7 @@
       </p:grpSpPr>
       <p:sp>
         <p:nvSpPr>
-          <p:cNvPr id="231" name="Google Shape;231;ga895656876_0_1540:notes"/>
+          <p:cNvPr id="231" name="Google Shape;231;ga895656876_0_1653:notes"/>
           <p:cNvSpPr/>
           <p:nvPr>
             <p:ph idx="2" type="sldImg"/>
@@ -1692,7 +1692,7 @@
       </p:sp>
       <p:sp>
         <p:nvSpPr>
-          <p:cNvPr id="232" name="Google Shape;232;ga895656876_0_1540:notes"/>
+          <p:cNvPr id="232" name="Google Shape;232;ga895656876_0_1653:notes"/>
           <p:cNvSpPr txBox="1"/>
           <p:nvPr>
             <p:ph idx="1" type="body"/>
@@ -1750,7 +1750,7 @@
   <p:cSld>
     <p:spTree>
       <p:nvGrpSpPr>
-        <p:cNvPr id="235" name="Shape 235"/>
+        <p:cNvPr id="237" name="Shape 237"/>
         <p:cNvGrpSpPr/>
         <p:nvPr/>
       </p:nvGrpSpPr>
@@ -1764,7 +1764,7 @@
       </p:grpSpPr>
       <p:sp>
         <p:nvSpPr>
-          <p:cNvPr id="236" name="Google Shape;236;ga895656876_0_170:notes"/>
+          <p:cNvPr id="238" name="Google Shape;238;ga895656876_0_1540:notes"/>
           <p:cNvSpPr/>
           <p:nvPr>
             <p:ph idx="2" type="sldImg"/>
@@ -1809,7 +1809,7 @@
       </p:sp>
       <p:sp>
         <p:nvSpPr>
-          <p:cNvPr id="237" name="Google Shape;237;ga895656876_0_170:notes"/>
+          <p:cNvPr id="239" name="Google Shape;239;ga895656876_0_1540:notes"/>
           <p:cNvSpPr txBox="1"/>
           <p:nvPr>
             <p:ph idx="1" type="body"/>
@@ -1867,7 +1867,7 @@
   <p:cSld>
     <p:spTree>
       <p:nvGrpSpPr>
-        <p:cNvPr id="243" name="Shape 243"/>
+        <p:cNvPr id="242" name="Shape 242"/>
         <p:cNvGrpSpPr/>
         <p:nvPr/>
       </p:nvGrpSpPr>
@@ -1881,7 +1881,7 @@
       </p:grpSpPr>
       <p:sp>
         <p:nvSpPr>
-          <p:cNvPr id="244" name="Google Shape;244;ga895656876_0_1550:notes"/>
+          <p:cNvPr id="243" name="Google Shape;243;ga895656876_0_170:notes"/>
           <p:cNvSpPr/>
           <p:nvPr>
             <p:ph idx="2" type="sldImg"/>
@@ -1926,7 +1926,7 @@
       </p:sp>
       <p:sp>
         <p:nvSpPr>
-          <p:cNvPr id="245" name="Google Shape;245;ga895656876_0_1550:notes"/>
+          <p:cNvPr id="244" name="Google Shape;244;ga895656876_0_170:notes"/>
           <p:cNvSpPr txBox="1"/>
           <p:nvPr>
             <p:ph idx="1" type="body"/>
@@ -2101,7 +2101,7 @@
   <p:cSld>
     <p:spTree>
       <p:nvGrpSpPr>
-        <p:cNvPr id="248" name="Shape 248"/>
+        <p:cNvPr id="250" name="Shape 250"/>
         <p:cNvGrpSpPr/>
         <p:nvPr/>
       </p:nvGrpSpPr>
@@ -2115,7 +2115,124 @@
       </p:grpSpPr>
       <p:sp>
         <p:nvSpPr>
-          <p:cNvPr id="249" name="Google Shape;249;ga895656876_0_1545:notes"/>
+          <p:cNvPr id="251" name="Google Shape;251;ga895656876_0_1550:notes"/>
+          <p:cNvSpPr/>
+          <p:nvPr>
+            <p:ph idx="2" type="sldImg"/>
+          </p:nvPr>
+        </p:nvSpPr>
+        <p:spPr>
+          <a:xfrm>
+            <a:off x="381300" y="685800"/>
+            <a:ext cx="6096000" cy="3429000"/>
+          </a:xfrm>
+          <a:custGeom>
+            <a:rect b="b" l="l" r="r" t="t"/>
+            <a:pathLst>
+              <a:path extrusionOk="0" h="120000" w="120000">
+                <a:moveTo>
+                  <a:pt x="0" y="0"/>
+                </a:moveTo>
+                <a:lnTo>
+                  <a:pt x="120000" y="0"/>
+                </a:lnTo>
+                <a:lnTo>
+                  <a:pt x="120000" y="120000"/>
+                </a:lnTo>
+                <a:lnTo>
+                  <a:pt x="0" y="120000"/>
+                </a:lnTo>
+                <a:close/>
+              </a:path>
+            </a:pathLst>
+          </a:custGeom>
+          <a:noFill/>
+          <a:ln cap="flat" cmpd="sng" w="9525">
+            <a:solidFill>
+              <a:srgbClr val="000000"/>
+            </a:solidFill>
+            <a:prstDash val="solid"/>
+            <a:round/>
+            <a:headEnd len="sm" w="sm" type="none"/>
+            <a:tailEnd len="sm" w="sm" type="none"/>
+          </a:ln>
+        </p:spPr>
+      </p:sp>
+      <p:sp>
+        <p:nvSpPr>
+          <p:cNvPr id="252" name="Google Shape;252;ga895656876_0_1550:notes"/>
+          <p:cNvSpPr txBox="1"/>
+          <p:nvPr>
+            <p:ph idx="1" type="body"/>
+          </p:nvPr>
+        </p:nvSpPr>
+        <p:spPr>
+          <a:xfrm>
+            <a:off x="685800" y="4343400"/>
+            <a:ext cx="5486400" cy="4114800"/>
+          </a:xfrm>
+          <a:prstGeom prst="rect">
+            <a:avLst/>
+          </a:prstGeom>
+          <a:noFill/>
+          <a:ln>
+            <a:noFill/>
+          </a:ln>
+        </p:spPr>
+        <p:txBody>
+          <a:bodyPr anchorCtr="0" anchor="t" bIns="91425" lIns="91425" spcFirstLastPara="1" rIns="91425" wrap="square" tIns="91425">
+            <a:noAutofit/>
+          </a:bodyPr>
+          <a:lstStyle/>
+          <a:p>
+            <a:pPr indent="0" lvl="0" marL="0" rtl="0" algn="l">
+              <a:lnSpc>
+                <a:spcPct val="100000"/>
+              </a:lnSpc>
+              <a:spcBef>
+                <a:spcPts val="0"/>
+              </a:spcBef>
+              <a:spcAft>
+                <a:spcPts val="0"/>
+              </a:spcAft>
+              <a:buSzPts val="1100"/>
+              <a:buNone/>
+            </a:pPr>
+            <a:r>
+              <a:t/>
+            </a:r>
+            <a:endParaRPr/>
+          </a:p>
+        </p:txBody>
+      </p:sp>
+    </p:spTree>
+  </p:cSld>
+  <p:clrMapOvr>
+    <a:masterClrMapping/>
+  </p:clrMapOvr>
+</p:notes>
+</file>
+
+<file path=ppt/notesSlides/notesSlide21.xml><?xml version="1.0" encoding="utf-8"?>
+<p:notes xmlns:a="http://schemas.openxmlformats.org/drawingml/2006/main" xmlns:r="http://schemas.openxmlformats.org/officeDocument/2006/relationships" xmlns:mc="http://schemas.openxmlformats.org/markup-compatibility/2006" xmlns:mv="urn:schemas-microsoft-com:mac:vml" xmlns:p="http://schemas.openxmlformats.org/presentationml/2006/main" xmlns:c="http://schemas.openxmlformats.org/drawingml/2006/chart" xmlns:dgm="http://schemas.openxmlformats.org/drawingml/2006/diagram" xmlns:o="urn:schemas-microsoft-com:office:office" xmlns:v="urn:schemas-microsoft-com:vml" xmlns:pvml="urn:schemas-microsoft-com:office:powerpoint" xmlns:com="http://schemas.openxmlformats.org/drawingml/2006/compatibility" xmlns:p14="http://schemas.microsoft.com/office/powerpoint/2010/main" xmlns:p15="http://schemas.microsoft.com/office/powerpoint/2012/main" xmlns:ahyp="http://schemas.microsoft.com/office/drawing/2018/hyperlinkcolor" showMasterPhAnim="0" showMasterSp="0">
+  <p:cSld>
+    <p:spTree>
+      <p:nvGrpSpPr>
+        <p:cNvPr id="255" name="Shape 255"/>
+        <p:cNvGrpSpPr/>
+        <p:nvPr/>
+      </p:nvGrpSpPr>
+      <p:grpSpPr>
+        <a:xfrm>
+          <a:off x="0" y="0"/>
+          <a:ext cx="0" cy="0"/>
+          <a:chOff x="0" y="0"/>
+          <a:chExt cx="0" cy="0"/>
+        </a:xfrm>
+      </p:grpSpPr>
+      <p:sp>
+        <p:nvSpPr>
+          <p:cNvPr id="256" name="Google Shape;256;ga895656876_0_1545:notes"/>
           <p:cNvSpPr/>
           <p:nvPr>
             <p:ph idx="2" type="sldImg"/>
@@ -2150,7 +2267,7 @@
       </p:sp>
       <p:sp>
         <p:nvSpPr>
-          <p:cNvPr id="250" name="Google Shape;250;ga895656876_0_1545:notes"/>
+          <p:cNvPr id="257" name="Google Shape;257;ga895656876_0_1545:notes"/>
           <p:cNvSpPr txBox="1"/>
           <p:nvPr>
             <p:ph idx="1" type="body"/>
@@ -2195,12 +2312,12 @@
 </p:notes>
 </file>
 
-<file path=ppt/notesSlides/notesSlide21.xml><?xml version="1.0" encoding="utf-8"?>
+<file path=ppt/notesSlides/notesSlide22.xml><?xml version="1.0" encoding="utf-8"?>
 <p:notes xmlns:a="http://schemas.openxmlformats.org/drawingml/2006/main" xmlns:r="http://schemas.openxmlformats.org/officeDocument/2006/relationships" xmlns:mc="http://schemas.openxmlformats.org/markup-compatibility/2006" xmlns:mv="urn:schemas-microsoft-com:mac:vml" xmlns:p="http://schemas.openxmlformats.org/presentationml/2006/main" xmlns:c="http://schemas.openxmlformats.org/drawingml/2006/chart" xmlns:dgm="http://schemas.openxmlformats.org/drawingml/2006/diagram" xmlns:o="urn:schemas-microsoft-com:office:office" xmlns:v="urn:schemas-microsoft-com:vml" xmlns:pvml="urn:schemas-microsoft-com:office:powerpoint" xmlns:com="http://schemas.openxmlformats.org/drawingml/2006/compatibility" xmlns:p14="http://schemas.microsoft.com/office/powerpoint/2010/main" xmlns:p15="http://schemas.microsoft.com/office/powerpoint/2012/main" xmlns:ahyp="http://schemas.microsoft.com/office/drawing/2018/hyperlinkcolor" showMasterPhAnim="0" showMasterSp="0">
   <p:cSld>
     <p:spTree>
       <p:nvGrpSpPr>
-        <p:cNvPr id="254" name="Shape 254"/>
+        <p:cNvPr id="261" name="Shape 261"/>
         <p:cNvGrpSpPr/>
         <p:nvPr/>
       </p:nvGrpSpPr>
@@ -2214,7 +2331,7 @@
       </p:grpSpPr>
       <p:sp>
         <p:nvSpPr>
-          <p:cNvPr id="255" name="Google Shape;255;ga895656876_0_1585:notes"/>
+          <p:cNvPr id="262" name="Google Shape;262;ga895656876_0_1585:notes"/>
           <p:cNvSpPr/>
           <p:nvPr>
             <p:ph idx="2" type="sldImg"/>
@@ -2249,7 +2366,7 @@
       </p:sp>
       <p:sp>
         <p:nvSpPr>
-          <p:cNvPr id="256" name="Google Shape;256;ga895656876_0_1585:notes"/>
+          <p:cNvPr id="263" name="Google Shape;263;ga895656876_0_1585:notes"/>
           <p:cNvSpPr txBox="1"/>
           <p:nvPr>
             <p:ph idx="1" type="body"/>
@@ -2294,12 +2411,12 @@
 </p:notes>
 </file>
 
-<file path=ppt/notesSlides/notesSlide22.xml><?xml version="1.0" encoding="utf-8"?>
+<file path=ppt/notesSlides/notesSlide23.xml><?xml version="1.0" encoding="utf-8"?>
 <p:notes xmlns:a="http://schemas.openxmlformats.org/drawingml/2006/main" xmlns:r="http://schemas.openxmlformats.org/officeDocument/2006/relationships" xmlns:mc="http://schemas.openxmlformats.org/markup-compatibility/2006" xmlns:mv="urn:schemas-microsoft-com:mac:vml" xmlns:p="http://schemas.openxmlformats.org/presentationml/2006/main" xmlns:c="http://schemas.openxmlformats.org/drawingml/2006/chart" xmlns:dgm="http://schemas.openxmlformats.org/drawingml/2006/diagram" xmlns:o="urn:schemas-microsoft-com:office:office" xmlns:v="urn:schemas-microsoft-com:vml" xmlns:pvml="urn:schemas-microsoft-com:office:powerpoint" xmlns:com="http://schemas.openxmlformats.org/drawingml/2006/compatibility" xmlns:p14="http://schemas.microsoft.com/office/powerpoint/2010/main" xmlns:p15="http://schemas.microsoft.com/office/powerpoint/2012/main" xmlns:ahyp="http://schemas.microsoft.com/office/drawing/2018/hyperlinkcolor" showMasterPhAnim="0" showMasterSp="0">
   <p:cSld>
     <p:spTree>
       <p:nvGrpSpPr>
-        <p:cNvPr id="260" name="Shape 260"/>
+        <p:cNvPr id="267" name="Shape 267"/>
         <p:cNvGrpSpPr/>
         <p:nvPr/>
       </p:nvGrpSpPr>
@@ -2313,7 +2430,7 @@
       </p:grpSpPr>
       <p:sp>
         <p:nvSpPr>
-          <p:cNvPr id="261" name="Google Shape;261;ga895656876_0_1615:notes"/>
+          <p:cNvPr id="268" name="Google Shape;268;ga895656876_0_1615:notes"/>
           <p:cNvSpPr/>
           <p:nvPr>
             <p:ph idx="2" type="sldImg"/>
@@ -2348,7 +2465,7 @@
       </p:sp>
       <p:sp>
         <p:nvSpPr>
-          <p:cNvPr id="262" name="Google Shape;262;ga895656876_0_1615:notes"/>
+          <p:cNvPr id="269" name="Google Shape;269;ga895656876_0_1615:notes"/>
           <p:cNvSpPr txBox="1"/>
           <p:nvPr>
             <p:ph idx="1" type="body"/>
@@ -2393,12 +2510,12 @@
 </p:notes>
 </file>
 
-<file path=ppt/notesSlides/notesSlide23.xml><?xml version="1.0" encoding="utf-8"?>
+<file path=ppt/notesSlides/notesSlide24.xml><?xml version="1.0" encoding="utf-8"?>
 <p:notes xmlns:a="http://schemas.openxmlformats.org/drawingml/2006/main" xmlns:r="http://schemas.openxmlformats.org/officeDocument/2006/relationships" xmlns:mc="http://schemas.openxmlformats.org/markup-compatibility/2006" xmlns:mv="urn:schemas-microsoft-com:mac:vml" xmlns:p="http://schemas.openxmlformats.org/presentationml/2006/main" xmlns:c="http://schemas.openxmlformats.org/drawingml/2006/chart" xmlns:dgm="http://schemas.openxmlformats.org/drawingml/2006/diagram" xmlns:o="urn:schemas-microsoft-com:office:office" xmlns:v="urn:schemas-microsoft-com:vml" xmlns:pvml="urn:schemas-microsoft-com:office:powerpoint" xmlns:com="http://schemas.openxmlformats.org/drawingml/2006/compatibility" xmlns:p14="http://schemas.microsoft.com/office/powerpoint/2010/main" xmlns:p15="http://schemas.microsoft.com/office/powerpoint/2012/main" xmlns:ahyp="http://schemas.microsoft.com/office/drawing/2018/hyperlinkcolor" showMasterPhAnim="0" showMasterSp="0">
   <p:cSld>
     <p:spTree>
       <p:nvGrpSpPr>
-        <p:cNvPr id="266" name="Shape 266"/>
+        <p:cNvPr id="273" name="Shape 273"/>
         <p:cNvGrpSpPr/>
         <p:nvPr/>
       </p:nvGrpSpPr>
@@ -2412,7 +2529,7 @@
       </p:grpSpPr>
       <p:sp>
         <p:nvSpPr>
-          <p:cNvPr id="267" name="Google Shape;267;ga895656876_0_997:notes"/>
+          <p:cNvPr id="274" name="Google Shape;274;ga895656876_0_997:notes"/>
           <p:cNvSpPr txBox="1"/>
           <p:nvPr>
             <p:ph idx="1" type="body"/>
@@ -2451,106 +2568,7 @@
       </p:sp>
       <p:sp>
         <p:nvSpPr>
-          <p:cNvPr id="268" name="Google Shape;268;ga895656876_0_997:notes"/>
-          <p:cNvSpPr/>
-          <p:nvPr>
-            <p:ph idx="2" type="sldImg"/>
-          </p:nvPr>
-        </p:nvSpPr>
-        <p:spPr>
-          <a:xfrm>
-            <a:off x="381300" y="685800"/>
-            <a:ext cx="6096000" cy="3429000"/>
-          </a:xfrm>
-          <a:custGeom>
-            <a:rect b="b" l="l" r="r" t="t"/>
-            <a:pathLst>
-              <a:path extrusionOk="0" h="120000" w="120000">
-                <a:moveTo>
-                  <a:pt x="0" y="0"/>
-                </a:moveTo>
-                <a:lnTo>
-                  <a:pt x="120000" y="0"/>
-                </a:lnTo>
-                <a:lnTo>
-                  <a:pt x="120000" y="120000"/>
-                </a:lnTo>
-                <a:lnTo>
-                  <a:pt x="0" y="120000"/>
-                </a:lnTo>
-                <a:close/>
-              </a:path>
-            </a:pathLst>
-          </a:custGeom>
-        </p:spPr>
-      </p:sp>
-    </p:spTree>
-  </p:cSld>
-  <p:clrMapOvr>
-    <a:masterClrMapping/>
-  </p:clrMapOvr>
-</p:notes>
-</file>
-
-<file path=ppt/notesSlides/notesSlide24.xml><?xml version="1.0" encoding="utf-8"?>
-<p:notes xmlns:a="http://schemas.openxmlformats.org/drawingml/2006/main" xmlns:r="http://schemas.openxmlformats.org/officeDocument/2006/relationships" xmlns:mc="http://schemas.openxmlformats.org/markup-compatibility/2006" xmlns:mv="urn:schemas-microsoft-com:mac:vml" xmlns:p="http://schemas.openxmlformats.org/presentationml/2006/main" xmlns:c="http://schemas.openxmlformats.org/drawingml/2006/chart" xmlns:dgm="http://schemas.openxmlformats.org/drawingml/2006/diagram" xmlns:o="urn:schemas-microsoft-com:office:office" xmlns:v="urn:schemas-microsoft-com:vml" xmlns:pvml="urn:schemas-microsoft-com:office:powerpoint" xmlns:com="http://schemas.openxmlformats.org/drawingml/2006/compatibility" xmlns:p14="http://schemas.microsoft.com/office/powerpoint/2010/main" xmlns:p15="http://schemas.microsoft.com/office/powerpoint/2012/main" xmlns:ahyp="http://schemas.microsoft.com/office/drawing/2018/hyperlinkcolor" showMasterPhAnim="0" showMasterSp="0">
-  <p:cSld>
-    <p:spTree>
-      <p:nvGrpSpPr>
-        <p:cNvPr id="272" name="Shape 272"/>
-        <p:cNvGrpSpPr/>
-        <p:nvPr/>
-      </p:nvGrpSpPr>
-      <p:grpSpPr>
-        <a:xfrm>
-          <a:off x="0" y="0"/>
-          <a:ext cx="0" cy="0"/>
-          <a:chOff x="0" y="0"/>
-          <a:chExt cx="0" cy="0"/>
-        </a:xfrm>
-      </p:grpSpPr>
-      <p:sp>
-        <p:nvSpPr>
-          <p:cNvPr id="273" name="Google Shape;273;ga895656876_0_1647:notes"/>
-          <p:cNvSpPr txBox="1"/>
-          <p:nvPr>
-            <p:ph idx="1" type="body"/>
-          </p:nvPr>
-        </p:nvSpPr>
-        <p:spPr>
-          <a:xfrm>
-            <a:off x="685800" y="4343400"/>
-            <a:ext cx="5486400" cy="4114800"/>
-          </a:xfrm>
-          <a:prstGeom prst="rect">
-            <a:avLst/>
-          </a:prstGeom>
-        </p:spPr>
-        <p:txBody>
-          <a:bodyPr anchorCtr="0" anchor="t" bIns="91425" lIns="91425" spcFirstLastPara="1" rIns="91425" wrap="square" tIns="91425">
-            <a:noAutofit/>
-          </a:bodyPr>
-          <a:lstStyle/>
-          <a:p>
-            <a:pPr indent="0" lvl="0" marL="0" rtl="0" algn="l">
-              <a:spcBef>
-                <a:spcPts val="0"/>
-              </a:spcBef>
-              <a:spcAft>
-                <a:spcPts val="0"/>
-              </a:spcAft>
-              <a:buNone/>
-            </a:pPr>
-            <a:r>
-              <a:t/>
-            </a:r>
-            <a:endParaRPr/>
-          </a:p>
-        </p:txBody>
-      </p:sp>
-      <p:sp>
-        <p:nvSpPr>
-          <p:cNvPr id="274" name="Google Shape;274;ga895656876_0_1647:notes"/>
+          <p:cNvPr id="275" name="Google Shape;275;ga895656876_0_997:notes"/>
           <p:cNvSpPr/>
           <p:nvPr>
             <p:ph idx="2" type="sldImg"/>
@@ -2596,7 +2614,7 @@
   <p:cSld>
     <p:spTree>
       <p:nvGrpSpPr>
-        <p:cNvPr id="278" name="Shape 278"/>
+        <p:cNvPr id="279" name="Shape 279"/>
         <p:cNvGrpSpPr/>
         <p:nvPr/>
       </p:nvGrpSpPr>
@@ -2610,7 +2628,106 @@
       </p:grpSpPr>
       <p:sp>
         <p:nvSpPr>
-          <p:cNvPr id="279" name="Google Shape;279;ga895656876_0_1662:notes"/>
+          <p:cNvPr id="280" name="Google Shape;280;ga895656876_0_1647:notes"/>
+          <p:cNvSpPr txBox="1"/>
+          <p:nvPr>
+            <p:ph idx="1" type="body"/>
+          </p:nvPr>
+        </p:nvSpPr>
+        <p:spPr>
+          <a:xfrm>
+            <a:off x="685800" y="4343400"/>
+            <a:ext cx="5486400" cy="4114800"/>
+          </a:xfrm>
+          <a:prstGeom prst="rect">
+            <a:avLst/>
+          </a:prstGeom>
+        </p:spPr>
+        <p:txBody>
+          <a:bodyPr anchorCtr="0" anchor="t" bIns="91425" lIns="91425" spcFirstLastPara="1" rIns="91425" wrap="square" tIns="91425">
+            <a:noAutofit/>
+          </a:bodyPr>
+          <a:lstStyle/>
+          <a:p>
+            <a:pPr indent="0" lvl="0" marL="0" rtl="0" algn="l">
+              <a:spcBef>
+                <a:spcPts val="0"/>
+              </a:spcBef>
+              <a:spcAft>
+                <a:spcPts val="0"/>
+              </a:spcAft>
+              <a:buNone/>
+            </a:pPr>
+            <a:r>
+              <a:t/>
+            </a:r>
+            <a:endParaRPr/>
+          </a:p>
+        </p:txBody>
+      </p:sp>
+      <p:sp>
+        <p:nvSpPr>
+          <p:cNvPr id="281" name="Google Shape;281;ga895656876_0_1647:notes"/>
+          <p:cNvSpPr/>
+          <p:nvPr>
+            <p:ph idx="2" type="sldImg"/>
+          </p:nvPr>
+        </p:nvSpPr>
+        <p:spPr>
+          <a:xfrm>
+            <a:off x="381300" y="685800"/>
+            <a:ext cx="6096000" cy="3429000"/>
+          </a:xfrm>
+          <a:custGeom>
+            <a:rect b="b" l="l" r="r" t="t"/>
+            <a:pathLst>
+              <a:path extrusionOk="0" h="120000" w="120000">
+                <a:moveTo>
+                  <a:pt x="0" y="0"/>
+                </a:moveTo>
+                <a:lnTo>
+                  <a:pt x="120000" y="0"/>
+                </a:lnTo>
+                <a:lnTo>
+                  <a:pt x="120000" y="120000"/>
+                </a:lnTo>
+                <a:lnTo>
+                  <a:pt x="0" y="120000"/>
+                </a:lnTo>
+                <a:close/>
+              </a:path>
+            </a:pathLst>
+          </a:custGeom>
+        </p:spPr>
+      </p:sp>
+    </p:spTree>
+  </p:cSld>
+  <p:clrMapOvr>
+    <a:masterClrMapping/>
+  </p:clrMapOvr>
+</p:notes>
+</file>
+
+<file path=ppt/notesSlides/notesSlide26.xml><?xml version="1.0" encoding="utf-8"?>
+<p:notes xmlns:a="http://schemas.openxmlformats.org/drawingml/2006/main" xmlns:r="http://schemas.openxmlformats.org/officeDocument/2006/relationships" xmlns:mc="http://schemas.openxmlformats.org/markup-compatibility/2006" xmlns:mv="urn:schemas-microsoft-com:mac:vml" xmlns:p="http://schemas.openxmlformats.org/presentationml/2006/main" xmlns:c="http://schemas.openxmlformats.org/drawingml/2006/chart" xmlns:dgm="http://schemas.openxmlformats.org/drawingml/2006/diagram" xmlns:o="urn:schemas-microsoft-com:office:office" xmlns:v="urn:schemas-microsoft-com:vml" xmlns:pvml="urn:schemas-microsoft-com:office:powerpoint" xmlns:com="http://schemas.openxmlformats.org/drawingml/2006/compatibility" xmlns:p14="http://schemas.microsoft.com/office/powerpoint/2010/main" xmlns:p15="http://schemas.microsoft.com/office/powerpoint/2012/main" xmlns:ahyp="http://schemas.microsoft.com/office/drawing/2018/hyperlinkcolor" showMasterPhAnim="0" showMasterSp="0">
+  <p:cSld>
+    <p:spTree>
+      <p:nvGrpSpPr>
+        <p:cNvPr id="285" name="Shape 285"/>
+        <p:cNvGrpSpPr/>
+        <p:nvPr/>
+      </p:nvGrpSpPr>
+      <p:grpSpPr>
+        <a:xfrm>
+          <a:off x="0" y="0"/>
+          <a:ext cx="0" cy="0"/>
+          <a:chOff x="0" y="0"/>
+          <a:chExt cx="0" cy="0"/>
+        </a:xfrm>
+      </p:grpSpPr>
+      <p:sp>
+        <p:nvSpPr>
+          <p:cNvPr id="286" name="Google Shape;286;ga895656876_0_1662:notes"/>
           <p:cNvSpPr/>
           <p:nvPr>
             <p:ph idx="2" type="sldImg"/>
@@ -2655,124 +2772,7 @@
       </p:sp>
       <p:sp>
         <p:nvSpPr>
-          <p:cNvPr id="280" name="Google Shape;280;ga895656876_0_1662:notes"/>
-          <p:cNvSpPr txBox="1"/>
-          <p:nvPr>
-            <p:ph idx="1" type="body"/>
-          </p:nvPr>
-        </p:nvSpPr>
-        <p:spPr>
-          <a:xfrm>
-            <a:off x="685800" y="4343400"/>
-            <a:ext cx="5486400" cy="4114800"/>
-          </a:xfrm>
-          <a:prstGeom prst="rect">
-            <a:avLst/>
-          </a:prstGeom>
-          <a:noFill/>
-          <a:ln>
-            <a:noFill/>
-          </a:ln>
-        </p:spPr>
-        <p:txBody>
-          <a:bodyPr anchorCtr="0" anchor="t" bIns="91425" lIns="91425" spcFirstLastPara="1" rIns="91425" wrap="square" tIns="91425">
-            <a:noAutofit/>
-          </a:bodyPr>
-          <a:lstStyle/>
-          <a:p>
-            <a:pPr indent="0" lvl="0" marL="0" rtl="0" algn="l">
-              <a:lnSpc>
-                <a:spcPct val="100000"/>
-              </a:lnSpc>
-              <a:spcBef>
-                <a:spcPts val="0"/>
-              </a:spcBef>
-              <a:spcAft>
-                <a:spcPts val="0"/>
-              </a:spcAft>
-              <a:buSzPts val="1100"/>
-              <a:buNone/>
-            </a:pPr>
-            <a:r>
-              <a:t/>
-            </a:r>
-            <a:endParaRPr/>
-          </a:p>
-        </p:txBody>
-      </p:sp>
-    </p:spTree>
-  </p:cSld>
-  <p:clrMapOvr>
-    <a:masterClrMapping/>
-  </p:clrMapOvr>
-</p:notes>
-</file>
-
-<file path=ppt/notesSlides/notesSlide26.xml><?xml version="1.0" encoding="utf-8"?>
-<p:notes xmlns:a="http://schemas.openxmlformats.org/drawingml/2006/main" xmlns:r="http://schemas.openxmlformats.org/officeDocument/2006/relationships" xmlns:mc="http://schemas.openxmlformats.org/markup-compatibility/2006" xmlns:mv="urn:schemas-microsoft-com:mac:vml" xmlns:p="http://schemas.openxmlformats.org/presentationml/2006/main" xmlns:c="http://schemas.openxmlformats.org/drawingml/2006/chart" xmlns:dgm="http://schemas.openxmlformats.org/drawingml/2006/diagram" xmlns:o="urn:schemas-microsoft-com:office:office" xmlns:v="urn:schemas-microsoft-com:vml" xmlns:pvml="urn:schemas-microsoft-com:office:powerpoint" xmlns:com="http://schemas.openxmlformats.org/drawingml/2006/compatibility" xmlns:p14="http://schemas.microsoft.com/office/powerpoint/2010/main" xmlns:p15="http://schemas.microsoft.com/office/powerpoint/2012/main" xmlns:ahyp="http://schemas.microsoft.com/office/drawing/2018/hyperlinkcolor" showMasterPhAnim="0" showMasterSp="0">
-  <p:cSld>
-    <p:spTree>
-      <p:nvGrpSpPr>
-        <p:cNvPr id="286" name="Shape 286"/>
-        <p:cNvGrpSpPr/>
-        <p:nvPr/>
-      </p:nvGrpSpPr>
-      <p:grpSpPr>
-        <a:xfrm>
-          <a:off x="0" y="0"/>
-          <a:ext cx="0" cy="0"/>
-          <a:chOff x="0" y="0"/>
-          <a:chExt cx="0" cy="0"/>
-        </a:xfrm>
-      </p:grpSpPr>
-      <p:sp>
-        <p:nvSpPr>
-          <p:cNvPr id="287" name="Google Shape;287;ga895656876_0_1653:notes"/>
-          <p:cNvSpPr/>
-          <p:nvPr>
-            <p:ph idx="2" type="sldImg"/>
-          </p:nvPr>
-        </p:nvSpPr>
-        <p:spPr>
-          <a:xfrm>
-            <a:off x="381300" y="685800"/>
-            <a:ext cx="6096000" cy="3429000"/>
-          </a:xfrm>
-          <a:custGeom>
-            <a:rect b="b" l="l" r="r" t="t"/>
-            <a:pathLst>
-              <a:path extrusionOk="0" h="120000" w="120000">
-                <a:moveTo>
-                  <a:pt x="0" y="0"/>
-                </a:moveTo>
-                <a:lnTo>
-                  <a:pt x="120000" y="0"/>
-                </a:lnTo>
-                <a:lnTo>
-                  <a:pt x="120000" y="120000"/>
-                </a:lnTo>
-                <a:lnTo>
-                  <a:pt x="0" y="120000"/>
-                </a:lnTo>
-                <a:close/>
-              </a:path>
-            </a:pathLst>
-          </a:custGeom>
-          <a:noFill/>
-          <a:ln cap="flat" cmpd="sng" w="9525">
-            <a:solidFill>
-              <a:srgbClr val="000000"/>
-            </a:solidFill>
-            <a:prstDash val="solid"/>
-            <a:round/>
-            <a:headEnd len="sm" w="sm" type="none"/>
-            <a:tailEnd len="sm" w="sm" type="none"/>
-          </a:ln>
-        </p:spPr>
-      </p:sp>
-      <p:sp>
-        <p:nvSpPr>
-          <p:cNvPr id="288" name="Google Shape;288;ga895656876_0_1653:notes"/>
+          <p:cNvPr id="287" name="Google Shape;287;ga895656876_0_1662:notes"/>
           <p:cNvSpPr txBox="1"/>
           <p:nvPr>
             <p:ph idx="1" type="body"/>
@@ -19845,6 +19845,328 @@
       <p:sp>
         <p:nvSpPr>
           <p:cNvPr id="234" name="Google Shape;234;p42"/>
+          <p:cNvSpPr/>
+          <p:nvPr/>
+        </p:nvSpPr>
+        <p:spPr>
+          <a:xfrm>
+            <a:off x="311700" y="347100"/>
+            <a:ext cx="8520600" cy="4449300"/>
+          </a:xfrm>
+          <a:prstGeom prst="rect">
+            <a:avLst/>
+          </a:prstGeom>
+          <a:solidFill>
+            <a:srgbClr val="FFE599"/>
+          </a:solidFill>
+          <a:ln>
+            <a:noFill/>
+          </a:ln>
+        </p:spPr>
+        <p:txBody>
+          <a:bodyPr anchorCtr="0" anchor="ctr" bIns="91425" lIns="91425" spcFirstLastPara="1" rIns="91425" wrap="square" tIns="91425">
+            <a:noAutofit/>
+          </a:bodyPr>
+          <a:lstStyle/>
+          <a:p>
+            <a:pPr indent="0" lvl="0" marL="0" marR="0" rtl="0" algn="l">
+              <a:lnSpc>
+                <a:spcPct val="100000"/>
+              </a:lnSpc>
+              <a:spcBef>
+                <a:spcPts val="0"/>
+              </a:spcBef>
+              <a:spcAft>
+                <a:spcPts val="0"/>
+              </a:spcAft>
+              <a:buClr>
+                <a:srgbClr val="000000"/>
+              </a:buClr>
+              <a:buSzPts val="1400"/>
+              <a:buFont typeface="Arial"/>
+              <a:buNone/>
+            </a:pPr>
+            <a:r>
+              <a:t/>
+            </a:r>
+            <a:endParaRPr b="0" i="0" sz="1400" u="none" cap="none" strike="noStrike">
+              <a:solidFill>
+                <a:srgbClr val="000000"/>
+              </a:solidFill>
+              <a:latin typeface="Arial"/>
+              <a:ea typeface="Arial"/>
+              <a:cs typeface="Arial"/>
+              <a:sym typeface="Arial"/>
+            </a:endParaRPr>
+          </a:p>
+        </p:txBody>
+      </p:sp>
+      <p:sp>
+        <p:nvSpPr>
+          <p:cNvPr id="235" name="Google Shape;235;p42"/>
+          <p:cNvSpPr txBox="1"/>
+          <p:nvPr>
+            <p:ph type="title"/>
+          </p:nvPr>
+        </p:nvSpPr>
+        <p:spPr>
+          <a:xfrm>
+            <a:off x="311700" y="2107650"/>
+            <a:ext cx="8520600" cy="3493500"/>
+          </a:xfrm>
+          <a:prstGeom prst="rect">
+            <a:avLst/>
+          </a:prstGeom>
+          <a:noFill/>
+          <a:ln>
+            <a:noFill/>
+          </a:ln>
+        </p:spPr>
+        <p:txBody>
+          <a:bodyPr anchorCtr="0" anchor="t" bIns="91425" lIns="91425" spcFirstLastPara="1" rIns="91425" wrap="square" tIns="91425">
+            <a:noAutofit/>
+          </a:bodyPr>
+          <a:lstStyle/>
+          <a:p>
+            <a:pPr indent="0" lvl="0" marL="0" rtl="0" algn="ctr">
+              <a:lnSpc>
+                <a:spcPct val="100000"/>
+              </a:lnSpc>
+              <a:spcBef>
+                <a:spcPts val="0"/>
+              </a:spcBef>
+              <a:spcAft>
+                <a:spcPts val="0"/>
+              </a:spcAft>
+              <a:buSzPts val="2800"/>
+              <a:buNone/>
+            </a:pPr>
+            <a:r>
+              <a:rPr b="1" lang="en">
+                <a:solidFill>
+                  <a:srgbClr val="434343"/>
+                </a:solidFill>
+              </a:rPr>
+              <a:t>General Q&amp;A</a:t>
+            </a:r>
+            <a:endParaRPr b="1">
+              <a:solidFill>
+                <a:srgbClr val="434343"/>
+              </a:solidFill>
+            </a:endParaRPr>
+          </a:p>
+          <a:p>
+            <a:pPr indent="0" lvl="0" marL="0" rtl="0" algn="ctr">
+              <a:lnSpc>
+                <a:spcPct val="100000"/>
+              </a:lnSpc>
+              <a:spcBef>
+                <a:spcPts val="0"/>
+              </a:spcBef>
+              <a:spcAft>
+                <a:spcPts val="0"/>
+              </a:spcAft>
+              <a:buSzPts val="2800"/>
+              <a:buNone/>
+            </a:pPr>
+            <a:br>
+              <a:rPr b="1" lang="en">
+                <a:solidFill>
+                  <a:srgbClr val="434343"/>
+                </a:solidFill>
+              </a:rPr>
+            </a:br>
+            <a:endParaRPr b="1">
+              <a:solidFill>
+                <a:srgbClr val="434343"/>
+              </a:solidFill>
+            </a:endParaRPr>
+          </a:p>
+          <a:p>
+            <a:pPr indent="-355600" lvl="0" marL="457200" rtl="0" algn="l">
+              <a:lnSpc>
+                <a:spcPct val="100000"/>
+              </a:lnSpc>
+              <a:spcBef>
+                <a:spcPts val="0"/>
+              </a:spcBef>
+              <a:spcAft>
+                <a:spcPts val="0"/>
+              </a:spcAft>
+              <a:buClr>
+                <a:srgbClr val="434343"/>
+              </a:buClr>
+              <a:buSzPts val="2000"/>
+              <a:buChar char="-"/>
+            </a:pPr>
+            <a:r>
+              <a:rPr b="1" lang="en" sz="2000">
+                <a:solidFill>
+                  <a:srgbClr val="434343"/>
+                </a:solidFill>
+              </a:rPr>
+              <a:t>Optimizing breakouts: Screenshare (ie papers), video, discuss</a:t>
+            </a:r>
+            <a:endParaRPr b="1" sz="2000">
+              <a:solidFill>
+                <a:srgbClr val="434343"/>
+              </a:solidFill>
+            </a:endParaRPr>
+          </a:p>
+          <a:p>
+            <a:pPr indent="-355600" lvl="0" marL="457200" rtl="0" algn="l">
+              <a:lnSpc>
+                <a:spcPct val="100000"/>
+              </a:lnSpc>
+              <a:spcBef>
+                <a:spcPts val="0"/>
+              </a:spcBef>
+              <a:spcAft>
+                <a:spcPts val="0"/>
+              </a:spcAft>
+              <a:buClr>
+                <a:srgbClr val="434343"/>
+              </a:buClr>
+              <a:buSzPts val="2000"/>
+              <a:buChar char="-"/>
+            </a:pPr>
+            <a:r>
+              <a:rPr b="1" lang="en" sz="2000">
+                <a:solidFill>
+                  <a:srgbClr val="434343"/>
+                </a:solidFill>
+              </a:rPr>
+              <a:t>Examples: HWs, Slack, tutorials</a:t>
+            </a:r>
+            <a:endParaRPr b="1" sz="2000">
+              <a:solidFill>
+                <a:srgbClr val="434343"/>
+              </a:solidFill>
+            </a:endParaRPr>
+          </a:p>
+          <a:p>
+            <a:pPr indent="-355600" lvl="0" marL="457200" rtl="0" algn="l">
+              <a:lnSpc>
+                <a:spcPct val="100000"/>
+              </a:lnSpc>
+              <a:spcBef>
+                <a:spcPts val="0"/>
+              </a:spcBef>
+              <a:spcAft>
+                <a:spcPts val="0"/>
+              </a:spcAft>
+              <a:buClr>
+                <a:srgbClr val="434343"/>
+              </a:buClr>
+              <a:buSzPts val="2000"/>
+              <a:buChar char="-"/>
+            </a:pPr>
+            <a:r>
+              <a:rPr b="1" lang="en" sz="2000">
+                <a:solidFill>
+                  <a:srgbClr val="434343"/>
+                </a:solidFill>
+              </a:rPr>
+              <a:t>Advanced: Raw data, other paper</a:t>
+            </a:r>
+            <a:endParaRPr b="1" sz="2000">
+              <a:solidFill>
+                <a:srgbClr val="434343"/>
+              </a:solidFill>
+            </a:endParaRPr>
+          </a:p>
+          <a:p>
+            <a:pPr indent="0" lvl="0" marL="0" rtl="0" algn="l">
+              <a:lnSpc>
+                <a:spcPct val="100000"/>
+              </a:lnSpc>
+              <a:spcBef>
+                <a:spcPts val="0"/>
+              </a:spcBef>
+              <a:spcAft>
+                <a:spcPts val="0"/>
+              </a:spcAft>
+              <a:buNone/>
+            </a:pPr>
+            <a:r>
+              <a:t/>
+            </a:r>
+            <a:endParaRPr b="1">
+              <a:solidFill>
+                <a:srgbClr val="434343"/>
+              </a:solidFill>
+            </a:endParaRPr>
+          </a:p>
+        </p:txBody>
+      </p:sp>
+      <p:sp>
+        <p:nvSpPr>
+          <p:cNvPr id="236" name="Google Shape;236;p42"/>
+          <p:cNvSpPr txBox="1"/>
+          <p:nvPr>
+            <p:ph idx="12" type="sldNum"/>
+          </p:nvPr>
+        </p:nvSpPr>
+        <p:spPr>
+          <a:xfrm>
+            <a:off x="8472458" y="4663217"/>
+            <a:ext cx="548700" cy="393600"/>
+          </a:xfrm>
+          <a:prstGeom prst="rect">
+            <a:avLst/>
+          </a:prstGeom>
+        </p:spPr>
+        <p:txBody>
+          <a:bodyPr anchorCtr="0" anchor="ctr" bIns="91425" lIns="91425" spcFirstLastPara="1" rIns="91425" wrap="square" tIns="91425">
+            <a:noAutofit/>
+          </a:bodyPr>
+          <a:lstStyle/>
+          <a:p>
+            <a:pPr indent="0" lvl="0" marL="0" rtl="0" algn="r">
+              <a:spcBef>
+                <a:spcPts val="0"/>
+              </a:spcBef>
+              <a:spcAft>
+                <a:spcPts val="0"/>
+              </a:spcAft>
+              <a:buNone/>
+            </a:pPr>
+            <a:fld id="{00000000-1234-1234-1234-123412341234}" type="slidenum">
+              <a:rPr lang="en"/>
+              <a:t>‹#›</a:t>
+            </a:fld>
+            <a:endParaRPr/>
+          </a:p>
+        </p:txBody>
+      </p:sp>
+    </p:spTree>
+  </p:cSld>
+  <p:clrMapOvr>
+    <a:masterClrMapping/>
+  </p:clrMapOvr>
+</p:sld>
+</file>
+
+<file path=ppt/slides/slide18.xml><?xml version="1.0" encoding="utf-8"?>
+<p:sld xmlns:a="http://schemas.openxmlformats.org/drawingml/2006/main" xmlns:r="http://schemas.openxmlformats.org/officeDocument/2006/relationships" xmlns:mc="http://schemas.openxmlformats.org/markup-compatibility/2006" xmlns:mv="urn:schemas-microsoft-com:mac:vml" xmlns:p="http://schemas.openxmlformats.org/presentationml/2006/main" xmlns:c="http://schemas.openxmlformats.org/drawingml/2006/chart" xmlns:dgm="http://schemas.openxmlformats.org/drawingml/2006/diagram" xmlns:o="urn:schemas-microsoft-com:office:office" xmlns:v="urn:schemas-microsoft-com:vml" xmlns:pvml="urn:schemas-microsoft-com:office:powerpoint" xmlns:com="http://schemas.openxmlformats.org/drawingml/2006/compatibility" xmlns:p14="http://schemas.microsoft.com/office/powerpoint/2010/main" xmlns:p15="http://schemas.microsoft.com/office/powerpoint/2012/main" xmlns:ahyp="http://schemas.microsoft.com/office/drawing/2018/hyperlinkcolor">
+  <p:cSld>
+    <p:spTree>
+      <p:nvGrpSpPr>
+        <p:cNvPr id="240" name="Shape 240"/>
+        <p:cNvGrpSpPr/>
+        <p:nvPr/>
+      </p:nvGrpSpPr>
+      <p:grpSpPr>
+        <a:xfrm>
+          <a:off x="0" y="0"/>
+          <a:ext cx="0" cy="0"/>
+          <a:chOff x="0" y="0"/>
+          <a:chExt cx="0" cy="0"/>
+        </a:xfrm>
+      </p:grpSpPr>
+      <p:sp>
+        <p:nvSpPr>
+          <p:cNvPr id="241" name="Google Shape;241;p43"/>
           <p:cNvSpPr txBox="1"/>
           <p:nvPr>
             <p:ph type="ctrTitle"/>
@@ -19898,12 +20220,12 @@
 </p:sld>
 </file>
 
-<file path=ppt/slides/slide18.xml><?xml version="1.0" encoding="utf-8"?>
+<file path=ppt/slides/slide19.xml><?xml version="1.0" encoding="utf-8"?>
 <p:sld xmlns:a="http://schemas.openxmlformats.org/drawingml/2006/main" xmlns:r="http://schemas.openxmlformats.org/officeDocument/2006/relationships" xmlns:mc="http://schemas.openxmlformats.org/markup-compatibility/2006" xmlns:mv="urn:schemas-microsoft-com:mac:vml" xmlns:p="http://schemas.openxmlformats.org/presentationml/2006/main" xmlns:c="http://schemas.openxmlformats.org/drawingml/2006/chart" xmlns:dgm="http://schemas.openxmlformats.org/drawingml/2006/diagram" xmlns:o="urn:schemas-microsoft-com:office:office" xmlns:v="urn:schemas-microsoft-com:vml" xmlns:pvml="urn:schemas-microsoft-com:office:powerpoint" xmlns:com="http://schemas.openxmlformats.org/drawingml/2006/compatibility" xmlns:p14="http://schemas.microsoft.com/office/powerpoint/2010/main" xmlns:p15="http://schemas.microsoft.com/office/powerpoint/2012/main" xmlns:ahyp="http://schemas.microsoft.com/office/drawing/2018/hyperlinkcolor">
   <p:cSld>
     <p:spTree>
       <p:nvGrpSpPr>
-        <p:cNvPr id="238" name="Shape 238"/>
+        <p:cNvPr id="245" name="Shape 245"/>
         <p:cNvGrpSpPr/>
         <p:nvPr/>
       </p:nvGrpSpPr>
@@ -19917,7 +20239,7 @@
       </p:grpSpPr>
       <p:sp>
         <p:nvSpPr>
-          <p:cNvPr id="239" name="Google Shape;239;p43"/>
+          <p:cNvPr id="246" name="Google Shape;246;p44"/>
           <p:cNvSpPr txBox="1"/>
           <p:nvPr>
             <p:ph type="title"/>
@@ -19965,7 +20287,7 @@
       </p:sp>
       <p:sp>
         <p:nvSpPr>
-          <p:cNvPr id="240" name="Google Shape;240;p43"/>
+          <p:cNvPr id="247" name="Google Shape;247;p44"/>
           <p:cNvSpPr txBox="1"/>
           <p:nvPr>
             <p:ph idx="2" type="body"/>
@@ -20136,7 +20458,7 @@
       </p:sp>
       <p:sp>
         <p:nvSpPr>
-          <p:cNvPr id="241" name="Google Shape;241;p43"/>
+          <p:cNvPr id="248" name="Google Shape;248;p44"/>
           <p:cNvSpPr txBox="1"/>
           <p:nvPr>
             <p:ph idx="1" type="body"/>
@@ -20320,7 +20642,7 @@
       </p:sp>
       <p:sp>
         <p:nvSpPr>
-          <p:cNvPr id="242" name="Google Shape;242;p43"/>
+          <p:cNvPr id="249" name="Google Shape;249;p44"/>
           <p:cNvSpPr txBox="1"/>
           <p:nvPr>
             <p:ph idx="12" type="sldNum"/>
@@ -20355,86 +20677,6 @@
               <a:t>‹#›</a:t>
             </a:fld>
             <a:endParaRPr/>
-          </a:p>
-        </p:txBody>
-      </p:sp>
-    </p:spTree>
-  </p:cSld>
-  <p:clrMapOvr>
-    <a:masterClrMapping/>
-  </p:clrMapOvr>
-</p:sld>
-</file>
-
-<file path=ppt/slides/slide19.xml><?xml version="1.0" encoding="utf-8"?>
-<p:sld xmlns:a="http://schemas.openxmlformats.org/drawingml/2006/main" xmlns:r="http://schemas.openxmlformats.org/officeDocument/2006/relationships" xmlns:mc="http://schemas.openxmlformats.org/markup-compatibility/2006" xmlns:mv="urn:schemas-microsoft-com:mac:vml" xmlns:p="http://schemas.openxmlformats.org/presentationml/2006/main" xmlns:c="http://schemas.openxmlformats.org/drawingml/2006/chart" xmlns:dgm="http://schemas.openxmlformats.org/drawingml/2006/diagram" xmlns:o="urn:schemas-microsoft-com:office:office" xmlns:v="urn:schemas-microsoft-com:vml" xmlns:pvml="urn:schemas-microsoft-com:office:powerpoint" xmlns:com="http://schemas.openxmlformats.org/drawingml/2006/compatibility" xmlns:p14="http://schemas.microsoft.com/office/powerpoint/2010/main" xmlns:p15="http://schemas.microsoft.com/office/powerpoint/2012/main" xmlns:ahyp="http://schemas.microsoft.com/office/drawing/2018/hyperlinkcolor">
-  <p:cSld>
-    <p:spTree>
-      <p:nvGrpSpPr>
-        <p:cNvPr id="246" name="Shape 246"/>
-        <p:cNvGrpSpPr/>
-        <p:nvPr/>
-      </p:nvGrpSpPr>
-      <p:grpSpPr>
-        <a:xfrm>
-          <a:off x="0" y="0"/>
-          <a:ext cx="0" cy="0"/>
-          <a:chOff x="0" y="0"/>
-          <a:chExt cx="0" cy="0"/>
-        </a:xfrm>
-      </p:grpSpPr>
-      <p:sp>
-        <p:nvSpPr>
-          <p:cNvPr id="247" name="Google Shape;247;p44"/>
-          <p:cNvSpPr txBox="1"/>
-          <p:nvPr>
-            <p:ph type="ctrTitle"/>
-          </p:nvPr>
-        </p:nvSpPr>
-        <p:spPr>
-          <a:xfrm>
-            <a:off x="311708" y="939150"/>
-            <a:ext cx="8520600" cy="2052600"/>
-          </a:xfrm>
-          <a:prstGeom prst="rect">
-            <a:avLst/>
-          </a:prstGeom>
-          <a:noFill/>
-          <a:ln>
-            <a:noFill/>
-          </a:ln>
-        </p:spPr>
-        <p:txBody>
-          <a:bodyPr anchorCtr="0" anchor="b" bIns="91425" lIns="91425" spcFirstLastPara="1" rIns="91425" wrap="square" tIns="91425">
-            <a:noAutofit/>
-          </a:bodyPr>
-          <a:lstStyle/>
-          <a:p>
-            <a:pPr indent="0" lvl="0" marL="0" rtl="0" algn="ctr">
-              <a:lnSpc>
-                <a:spcPct val="100000"/>
-              </a:lnSpc>
-              <a:spcBef>
-                <a:spcPts val="0"/>
-              </a:spcBef>
-              <a:spcAft>
-                <a:spcPts val="0"/>
-              </a:spcAft>
-              <a:buSzPts val="5200"/>
-              <a:buNone/>
-            </a:pPr>
-            <a:r>
-              <a:rPr b="1" lang="en" sz="3500"/>
-              <a:t>The Power of </a:t>
-            </a:r>
-            <a:br>
-              <a:rPr b="1" lang="en" sz="3500"/>
-            </a:br>
-            <a:r>
-              <a:rPr b="1" lang="en" sz="3500"/>
-              <a:t>Communication and Collaboration</a:t>
-            </a:r>
-            <a:endParaRPr sz="3500"/>
           </a:p>
         </p:txBody>
       </p:sp>
@@ -20677,7 +20919,7 @@
   <p:cSld>
     <p:spTree>
       <p:nvGrpSpPr>
-        <p:cNvPr id="251" name="Shape 251"/>
+        <p:cNvPr id="253" name="Shape 253"/>
         <p:cNvGrpSpPr/>
         <p:nvPr/>
       </p:nvGrpSpPr>
@@ -20691,7 +20933,87 @@
       </p:grpSpPr>
       <p:sp>
         <p:nvSpPr>
-          <p:cNvPr id="252" name="Google Shape;252;p45"/>
+          <p:cNvPr id="254" name="Google Shape;254;p45"/>
+          <p:cNvSpPr txBox="1"/>
+          <p:nvPr>
+            <p:ph type="ctrTitle"/>
+          </p:nvPr>
+        </p:nvSpPr>
+        <p:spPr>
+          <a:xfrm>
+            <a:off x="311708" y="939150"/>
+            <a:ext cx="8520600" cy="2052600"/>
+          </a:xfrm>
+          <a:prstGeom prst="rect">
+            <a:avLst/>
+          </a:prstGeom>
+          <a:noFill/>
+          <a:ln>
+            <a:noFill/>
+          </a:ln>
+        </p:spPr>
+        <p:txBody>
+          <a:bodyPr anchorCtr="0" anchor="b" bIns="91425" lIns="91425" spcFirstLastPara="1" rIns="91425" wrap="square" tIns="91425">
+            <a:noAutofit/>
+          </a:bodyPr>
+          <a:lstStyle/>
+          <a:p>
+            <a:pPr indent="0" lvl="0" marL="0" rtl="0" algn="ctr">
+              <a:lnSpc>
+                <a:spcPct val="100000"/>
+              </a:lnSpc>
+              <a:spcBef>
+                <a:spcPts val="0"/>
+              </a:spcBef>
+              <a:spcAft>
+                <a:spcPts val="0"/>
+              </a:spcAft>
+              <a:buSzPts val="5200"/>
+              <a:buNone/>
+            </a:pPr>
+            <a:r>
+              <a:rPr b="1" lang="en" sz="3500"/>
+              <a:t>The Power of </a:t>
+            </a:r>
+            <a:br>
+              <a:rPr b="1" lang="en" sz="3500"/>
+            </a:br>
+            <a:r>
+              <a:rPr b="1" lang="en" sz="3500"/>
+              <a:t>Communication and Collaboration</a:t>
+            </a:r>
+            <a:endParaRPr sz="3500"/>
+          </a:p>
+        </p:txBody>
+      </p:sp>
+    </p:spTree>
+  </p:cSld>
+  <p:clrMapOvr>
+    <a:masterClrMapping/>
+  </p:clrMapOvr>
+</p:sld>
+</file>
+
+<file path=ppt/slides/slide21.xml><?xml version="1.0" encoding="utf-8"?>
+<p:sld xmlns:a="http://schemas.openxmlformats.org/drawingml/2006/main" xmlns:r="http://schemas.openxmlformats.org/officeDocument/2006/relationships" xmlns:mc="http://schemas.openxmlformats.org/markup-compatibility/2006" xmlns:mv="urn:schemas-microsoft-com:mac:vml" xmlns:p="http://schemas.openxmlformats.org/presentationml/2006/main" xmlns:c="http://schemas.openxmlformats.org/drawingml/2006/chart" xmlns:dgm="http://schemas.openxmlformats.org/drawingml/2006/diagram" xmlns:o="urn:schemas-microsoft-com:office:office" xmlns:v="urn:schemas-microsoft-com:vml" xmlns:pvml="urn:schemas-microsoft-com:office:powerpoint" xmlns:com="http://schemas.openxmlformats.org/drawingml/2006/compatibility" xmlns:p14="http://schemas.microsoft.com/office/powerpoint/2010/main" xmlns:p15="http://schemas.microsoft.com/office/powerpoint/2012/main" xmlns:ahyp="http://schemas.microsoft.com/office/drawing/2018/hyperlinkcolor">
+  <p:cSld>
+    <p:spTree>
+      <p:nvGrpSpPr>
+        <p:cNvPr id="258" name="Shape 258"/>
+        <p:cNvGrpSpPr/>
+        <p:nvPr/>
+      </p:nvGrpSpPr>
+      <p:grpSpPr>
+        <a:xfrm>
+          <a:off x="0" y="0"/>
+          <a:ext cx="0" cy="0"/>
+          <a:chOff x="0" y="0"/>
+          <a:chExt cx="0" cy="0"/>
+        </a:xfrm>
+      </p:grpSpPr>
+      <p:sp>
+        <p:nvSpPr>
+          <p:cNvPr id="259" name="Google Shape;259;p46"/>
           <p:cNvSpPr txBox="1"/>
           <p:nvPr>
             <p:ph idx="4294967295" type="title"/>
@@ -20739,7 +21061,7 @@
       </p:sp>
       <p:sp>
         <p:nvSpPr>
-          <p:cNvPr id="253" name="Google Shape;253;p45"/>
+          <p:cNvPr id="260" name="Google Shape;260;p46"/>
           <p:cNvSpPr txBox="1"/>
           <p:nvPr/>
         </p:nvSpPr>
@@ -21324,12 +21646,12 @@
 </p:sld>
 </file>
 
-<file path=ppt/slides/slide21.xml><?xml version="1.0" encoding="utf-8"?>
+<file path=ppt/slides/slide22.xml><?xml version="1.0" encoding="utf-8"?>
 <p:sld xmlns:a="http://schemas.openxmlformats.org/drawingml/2006/main" xmlns:r="http://schemas.openxmlformats.org/officeDocument/2006/relationships" xmlns:mc="http://schemas.openxmlformats.org/markup-compatibility/2006" xmlns:mv="urn:schemas-microsoft-com:mac:vml" xmlns:p="http://schemas.openxmlformats.org/presentationml/2006/main" xmlns:c="http://schemas.openxmlformats.org/drawingml/2006/chart" xmlns:dgm="http://schemas.openxmlformats.org/drawingml/2006/diagram" xmlns:o="urn:schemas-microsoft-com:office:office" xmlns:v="urn:schemas-microsoft-com:vml" xmlns:pvml="urn:schemas-microsoft-com:office:powerpoint" xmlns:com="http://schemas.openxmlformats.org/drawingml/2006/compatibility" xmlns:p14="http://schemas.microsoft.com/office/powerpoint/2010/main" xmlns:p15="http://schemas.microsoft.com/office/powerpoint/2012/main" xmlns:ahyp="http://schemas.microsoft.com/office/drawing/2018/hyperlinkcolor">
   <p:cSld>
     <p:spTree>
       <p:nvGrpSpPr>
-        <p:cNvPr id="257" name="Shape 257"/>
+        <p:cNvPr id="264" name="Shape 264"/>
         <p:cNvGrpSpPr/>
         <p:nvPr/>
       </p:nvGrpSpPr>
@@ -21343,7 +21665,7 @@
       </p:grpSpPr>
       <p:sp>
         <p:nvSpPr>
-          <p:cNvPr id="258" name="Google Shape;258;p46"/>
+          <p:cNvPr id="265" name="Google Shape;265;p47"/>
           <p:cNvSpPr txBox="1"/>
           <p:nvPr>
             <p:ph idx="4294967295" type="title"/>
@@ -21391,7 +21713,7 @@
       </p:sp>
       <p:sp>
         <p:nvSpPr>
-          <p:cNvPr id="259" name="Google Shape;259;p46"/>
+          <p:cNvPr id="266" name="Google Shape;266;p47"/>
           <p:cNvSpPr txBox="1"/>
           <p:nvPr/>
         </p:nvSpPr>
@@ -22170,12 +22492,12 @@
 </p:sld>
 </file>
 
-<file path=ppt/slides/slide22.xml><?xml version="1.0" encoding="utf-8"?>
+<file path=ppt/slides/slide23.xml><?xml version="1.0" encoding="utf-8"?>
 <p:sld xmlns:a="http://schemas.openxmlformats.org/drawingml/2006/main" xmlns:r="http://schemas.openxmlformats.org/officeDocument/2006/relationships" xmlns:mc="http://schemas.openxmlformats.org/markup-compatibility/2006" xmlns:mv="urn:schemas-microsoft-com:mac:vml" xmlns:p="http://schemas.openxmlformats.org/presentationml/2006/main" xmlns:c="http://schemas.openxmlformats.org/drawingml/2006/chart" xmlns:dgm="http://schemas.openxmlformats.org/drawingml/2006/diagram" xmlns:o="urn:schemas-microsoft-com:office:office" xmlns:v="urn:schemas-microsoft-com:vml" xmlns:pvml="urn:schemas-microsoft-com:office:powerpoint" xmlns:com="http://schemas.openxmlformats.org/drawingml/2006/compatibility" xmlns:p14="http://schemas.microsoft.com/office/powerpoint/2010/main" xmlns:p15="http://schemas.microsoft.com/office/powerpoint/2012/main" xmlns:ahyp="http://schemas.microsoft.com/office/drawing/2018/hyperlinkcolor">
   <p:cSld>
     <p:spTree>
       <p:nvGrpSpPr>
-        <p:cNvPr id="263" name="Shape 263"/>
+        <p:cNvPr id="270" name="Shape 270"/>
         <p:cNvGrpSpPr/>
         <p:nvPr/>
       </p:nvGrpSpPr>
@@ -22189,7 +22511,7 @@
       </p:grpSpPr>
       <p:sp>
         <p:nvSpPr>
-          <p:cNvPr id="264" name="Google Shape;264;p47"/>
+          <p:cNvPr id="271" name="Google Shape;271;p48"/>
           <p:cNvSpPr txBox="1"/>
           <p:nvPr>
             <p:ph idx="4294967295" type="title"/>
@@ -22237,7 +22559,7 @@
       </p:sp>
       <p:sp>
         <p:nvSpPr>
-          <p:cNvPr id="265" name="Google Shape;265;p47"/>
+          <p:cNvPr id="272" name="Google Shape;272;p48"/>
           <p:cNvSpPr txBox="1"/>
           <p:nvPr/>
         </p:nvSpPr>
@@ -22971,12 +23293,12 @@
 </p:sld>
 </file>
 
-<file path=ppt/slides/slide23.xml><?xml version="1.0" encoding="utf-8"?>
+<file path=ppt/slides/slide24.xml><?xml version="1.0" encoding="utf-8"?>
 <p:sld xmlns:a="http://schemas.openxmlformats.org/drawingml/2006/main" xmlns:r="http://schemas.openxmlformats.org/officeDocument/2006/relationships" xmlns:mc="http://schemas.openxmlformats.org/markup-compatibility/2006" xmlns:mv="urn:schemas-microsoft-com:mac:vml" xmlns:p="http://schemas.openxmlformats.org/presentationml/2006/main" xmlns:c="http://schemas.openxmlformats.org/drawingml/2006/chart" xmlns:dgm="http://schemas.openxmlformats.org/drawingml/2006/diagram" xmlns:o="urn:schemas-microsoft-com:office:office" xmlns:v="urn:schemas-microsoft-com:vml" xmlns:pvml="urn:schemas-microsoft-com:office:powerpoint" xmlns:com="http://schemas.openxmlformats.org/drawingml/2006/compatibility" xmlns:p14="http://schemas.microsoft.com/office/powerpoint/2010/main" xmlns:p15="http://schemas.microsoft.com/office/powerpoint/2012/main" xmlns:ahyp="http://schemas.microsoft.com/office/drawing/2018/hyperlinkcolor">
   <p:cSld>
     <p:spTree>
       <p:nvGrpSpPr>
-        <p:cNvPr id="269" name="Shape 269"/>
+        <p:cNvPr id="276" name="Shape 276"/>
         <p:cNvGrpSpPr/>
         <p:nvPr/>
       </p:nvGrpSpPr>
@@ -22990,7 +23312,7 @@
       </p:grpSpPr>
       <p:sp>
         <p:nvSpPr>
-          <p:cNvPr id="270" name="Google Shape;270;p48"/>
+          <p:cNvPr id="277" name="Google Shape;277;p49"/>
           <p:cNvSpPr txBox="1"/>
           <p:nvPr>
             <p:ph type="title"/>
@@ -23038,7 +23360,7 @@
       </p:sp>
       <p:sp>
         <p:nvSpPr>
-          <p:cNvPr id="271" name="Google Shape;271;p48"/>
+          <p:cNvPr id="278" name="Google Shape;278;p49"/>
           <p:cNvSpPr txBox="1"/>
           <p:nvPr>
             <p:ph idx="1" type="body"/>
@@ -23578,12 +23900,12 @@
 </p:sld>
 </file>
 
-<file path=ppt/slides/slide24.xml><?xml version="1.0" encoding="utf-8"?>
+<file path=ppt/slides/slide25.xml><?xml version="1.0" encoding="utf-8"?>
 <p:sld xmlns:a="http://schemas.openxmlformats.org/drawingml/2006/main" xmlns:r="http://schemas.openxmlformats.org/officeDocument/2006/relationships" xmlns:mc="http://schemas.openxmlformats.org/markup-compatibility/2006" xmlns:mv="urn:schemas-microsoft-com:mac:vml" xmlns:p="http://schemas.openxmlformats.org/presentationml/2006/main" xmlns:c="http://schemas.openxmlformats.org/drawingml/2006/chart" xmlns:dgm="http://schemas.openxmlformats.org/drawingml/2006/diagram" xmlns:o="urn:schemas-microsoft-com:office:office" xmlns:v="urn:schemas-microsoft-com:vml" xmlns:pvml="urn:schemas-microsoft-com:office:powerpoint" xmlns:com="http://schemas.openxmlformats.org/drawingml/2006/compatibility" xmlns:p14="http://schemas.microsoft.com/office/powerpoint/2010/main" xmlns:p15="http://schemas.microsoft.com/office/powerpoint/2012/main" xmlns:ahyp="http://schemas.microsoft.com/office/drawing/2018/hyperlinkcolor">
   <p:cSld>
     <p:spTree>
       <p:nvGrpSpPr>
-        <p:cNvPr id="275" name="Shape 275"/>
+        <p:cNvPr id="282" name="Shape 282"/>
         <p:cNvGrpSpPr/>
         <p:nvPr/>
       </p:nvGrpSpPr>
@@ -23597,7 +23919,7 @@
       </p:grpSpPr>
       <p:sp>
         <p:nvSpPr>
-          <p:cNvPr id="276" name="Google Shape;276;p49"/>
+          <p:cNvPr id="283" name="Google Shape;283;p50"/>
           <p:cNvSpPr txBox="1"/>
           <p:nvPr>
             <p:ph type="title"/>
@@ -23645,7 +23967,7 @@
       </p:sp>
       <p:sp>
         <p:nvSpPr>
-          <p:cNvPr id="277" name="Google Shape;277;p49"/>
+          <p:cNvPr id="284" name="Google Shape;284;p50"/>
           <p:cNvSpPr txBox="1"/>
           <p:nvPr>
             <p:ph idx="1" type="body"/>
@@ -23951,12 +24273,12 @@
 </p:sld>
 </file>
 
-<file path=ppt/slides/slide25.xml><?xml version="1.0" encoding="utf-8"?>
+<file path=ppt/slides/slide26.xml><?xml version="1.0" encoding="utf-8"?>
 <p:sld xmlns:a="http://schemas.openxmlformats.org/drawingml/2006/main" xmlns:r="http://schemas.openxmlformats.org/officeDocument/2006/relationships" xmlns:mc="http://schemas.openxmlformats.org/markup-compatibility/2006" xmlns:mv="urn:schemas-microsoft-com:mac:vml" xmlns:p="http://schemas.openxmlformats.org/presentationml/2006/main" xmlns:c="http://schemas.openxmlformats.org/drawingml/2006/chart" xmlns:dgm="http://schemas.openxmlformats.org/drawingml/2006/diagram" xmlns:o="urn:schemas-microsoft-com:office:office" xmlns:v="urn:schemas-microsoft-com:vml" xmlns:pvml="urn:schemas-microsoft-com:office:powerpoint" xmlns:com="http://schemas.openxmlformats.org/drawingml/2006/compatibility" xmlns:p14="http://schemas.microsoft.com/office/powerpoint/2010/main" xmlns:p15="http://schemas.microsoft.com/office/powerpoint/2012/main" xmlns:ahyp="http://schemas.microsoft.com/office/drawing/2018/hyperlinkcolor">
   <p:cSld>
     <p:spTree>
       <p:nvGrpSpPr>
-        <p:cNvPr id="281" name="Shape 281"/>
+        <p:cNvPr id="288" name="Shape 288"/>
         <p:cNvGrpSpPr/>
         <p:nvPr/>
       </p:nvGrpSpPr>
@@ -23970,7 +24292,7 @@
       </p:grpSpPr>
       <p:sp>
         <p:nvSpPr>
-          <p:cNvPr id="282" name="Google Shape;282;p50"/>
+          <p:cNvPr id="289" name="Google Shape;289;p51"/>
           <p:cNvSpPr txBox="1"/>
           <p:nvPr>
             <p:ph type="title"/>
@@ -24018,7 +24340,7 @@
       </p:sp>
       <p:sp>
         <p:nvSpPr>
-          <p:cNvPr id="283" name="Google Shape;283;p50"/>
+          <p:cNvPr id="290" name="Google Shape;290;p51"/>
           <p:cNvSpPr txBox="1"/>
           <p:nvPr>
             <p:ph idx="12" type="sldNum"/>
@@ -24058,7 +24380,7 @@
       </p:sp>
       <p:sp>
         <p:nvSpPr>
-          <p:cNvPr id="284" name="Google Shape;284;p50"/>
+          <p:cNvPr id="291" name="Google Shape;291;p51"/>
           <p:cNvSpPr txBox="1"/>
           <p:nvPr/>
         </p:nvSpPr>
@@ -24431,7 +24753,7 @@
       </p:sp>
       <p:sp>
         <p:nvSpPr>
-          <p:cNvPr id="285" name="Google Shape;285;p50"/>
+          <p:cNvPr id="292" name="Google Shape;292;p51"/>
           <p:cNvSpPr txBox="1"/>
           <p:nvPr/>
         </p:nvSpPr>
@@ -24488,186 +24810,6 @@
                 <a:srgbClr val="FFE599"/>
               </a:highlight>
             </a:endParaRPr>
-          </a:p>
-        </p:txBody>
-      </p:sp>
-    </p:spTree>
-  </p:cSld>
-  <p:clrMapOvr>
-    <a:masterClrMapping/>
-  </p:clrMapOvr>
-</p:sld>
-</file>
-
-<file path=ppt/slides/slide26.xml><?xml version="1.0" encoding="utf-8"?>
-<p:sld xmlns:a="http://schemas.openxmlformats.org/drawingml/2006/main" xmlns:r="http://schemas.openxmlformats.org/officeDocument/2006/relationships" xmlns:mc="http://schemas.openxmlformats.org/markup-compatibility/2006" xmlns:mv="urn:schemas-microsoft-com:mac:vml" xmlns:p="http://schemas.openxmlformats.org/presentationml/2006/main" xmlns:c="http://schemas.openxmlformats.org/drawingml/2006/chart" xmlns:dgm="http://schemas.openxmlformats.org/drawingml/2006/diagram" xmlns:o="urn:schemas-microsoft-com:office:office" xmlns:v="urn:schemas-microsoft-com:vml" xmlns:pvml="urn:schemas-microsoft-com:office:powerpoint" xmlns:com="http://schemas.openxmlformats.org/drawingml/2006/compatibility" xmlns:p14="http://schemas.microsoft.com/office/powerpoint/2010/main" xmlns:p15="http://schemas.microsoft.com/office/powerpoint/2012/main" xmlns:ahyp="http://schemas.microsoft.com/office/drawing/2018/hyperlinkcolor">
-  <p:cSld>
-    <p:spTree>
-      <p:nvGrpSpPr>
-        <p:cNvPr id="289" name="Shape 289"/>
-        <p:cNvGrpSpPr/>
-        <p:nvPr/>
-      </p:nvGrpSpPr>
-      <p:grpSpPr>
-        <a:xfrm>
-          <a:off x="0" y="0"/>
-          <a:ext cx="0" cy="0"/>
-          <a:chOff x="0" y="0"/>
-          <a:chExt cx="0" cy="0"/>
-        </a:xfrm>
-      </p:grpSpPr>
-      <p:sp>
-        <p:nvSpPr>
-          <p:cNvPr id="290" name="Google Shape;290;p51"/>
-          <p:cNvSpPr/>
-          <p:nvPr/>
-        </p:nvSpPr>
-        <p:spPr>
-          <a:xfrm>
-            <a:off x="311700" y="347100"/>
-            <a:ext cx="8520600" cy="4449300"/>
-          </a:xfrm>
-          <a:prstGeom prst="rect">
-            <a:avLst/>
-          </a:prstGeom>
-          <a:solidFill>
-            <a:srgbClr val="FFE599"/>
-          </a:solidFill>
-          <a:ln>
-            <a:noFill/>
-          </a:ln>
-        </p:spPr>
-        <p:txBody>
-          <a:bodyPr anchorCtr="0" anchor="ctr" bIns="91425" lIns="91425" spcFirstLastPara="1" rIns="91425" wrap="square" tIns="91425">
-            <a:noAutofit/>
-          </a:bodyPr>
-          <a:lstStyle/>
-          <a:p>
-            <a:pPr indent="0" lvl="0" marL="0" marR="0" rtl="0" algn="l">
-              <a:lnSpc>
-                <a:spcPct val="100000"/>
-              </a:lnSpc>
-              <a:spcBef>
-                <a:spcPts val="0"/>
-              </a:spcBef>
-              <a:spcAft>
-                <a:spcPts val="0"/>
-              </a:spcAft>
-              <a:buClr>
-                <a:srgbClr val="000000"/>
-              </a:buClr>
-              <a:buSzPts val="1400"/>
-              <a:buFont typeface="Arial"/>
-              <a:buNone/>
-            </a:pPr>
-            <a:r>
-              <a:t/>
-            </a:r>
-            <a:endParaRPr b="0" i="0" sz="1400" u="none" cap="none" strike="noStrike">
-              <a:solidFill>
-                <a:srgbClr val="000000"/>
-              </a:solidFill>
-              <a:latin typeface="Arial"/>
-              <a:ea typeface="Arial"/>
-              <a:cs typeface="Arial"/>
-              <a:sym typeface="Arial"/>
-            </a:endParaRPr>
-          </a:p>
-        </p:txBody>
-      </p:sp>
-      <p:sp>
-        <p:nvSpPr>
-          <p:cNvPr id="291" name="Google Shape;291;p51"/>
-          <p:cNvSpPr txBox="1"/>
-          <p:nvPr>
-            <p:ph type="title"/>
-          </p:nvPr>
-        </p:nvSpPr>
-        <p:spPr>
-          <a:xfrm>
-            <a:off x="311700" y="2107650"/>
-            <a:ext cx="8520600" cy="3493500"/>
-          </a:xfrm>
-          <a:prstGeom prst="rect">
-            <a:avLst/>
-          </a:prstGeom>
-          <a:noFill/>
-          <a:ln>
-            <a:noFill/>
-          </a:ln>
-        </p:spPr>
-        <p:txBody>
-          <a:bodyPr anchorCtr="0" anchor="t" bIns="91425" lIns="91425" spcFirstLastPara="1" rIns="91425" wrap="square" tIns="91425">
-            <a:noAutofit/>
-          </a:bodyPr>
-          <a:lstStyle/>
-          <a:p>
-            <a:pPr indent="0" lvl="0" marL="0" rtl="0" algn="ctr">
-              <a:lnSpc>
-                <a:spcPct val="100000"/>
-              </a:lnSpc>
-              <a:spcBef>
-                <a:spcPts val="0"/>
-              </a:spcBef>
-              <a:spcAft>
-                <a:spcPts val="0"/>
-              </a:spcAft>
-              <a:buSzPts val="2800"/>
-              <a:buNone/>
-            </a:pPr>
-            <a:r>
-              <a:rPr b="1" lang="en">
-                <a:solidFill>
-                  <a:srgbClr val="434343"/>
-                </a:solidFill>
-              </a:rPr>
-              <a:t>General Q&amp;A</a:t>
-            </a:r>
-            <a:endParaRPr b="1">
-              <a:solidFill>
-                <a:srgbClr val="434343"/>
-              </a:solidFill>
-            </a:endParaRPr>
-          </a:p>
-        </p:txBody>
-      </p:sp>
-      <p:sp>
-        <p:nvSpPr>
-          <p:cNvPr id="292" name="Google Shape;292;p51"/>
-          <p:cNvSpPr txBox="1"/>
-          <p:nvPr>
-            <p:ph idx="12" type="sldNum"/>
-          </p:nvPr>
-        </p:nvSpPr>
-        <p:spPr>
-          <a:xfrm>
-            <a:off x="8472458" y="4663217"/>
-            <a:ext cx="548700" cy="393600"/>
-          </a:xfrm>
-          <a:prstGeom prst="rect">
-            <a:avLst/>
-          </a:prstGeom>
-        </p:spPr>
-        <p:txBody>
-          <a:bodyPr anchorCtr="0" anchor="ctr" bIns="91425" lIns="91425" spcFirstLastPara="1" rIns="91425" wrap="square" tIns="91425">
-            <a:noAutofit/>
-          </a:bodyPr>
-          <a:lstStyle/>
-          <a:p>
-            <a:pPr indent="0" lvl="0" marL="0" rtl="0" algn="r">
-              <a:spcBef>
-                <a:spcPts val="0"/>
-              </a:spcBef>
-              <a:spcAft>
-                <a:spcPts val="0"/>
-              </a:spcAft>
-              <a:buNone/>
-            </a:pPr>
-            <a:fld id="{00000000-1234-1234-1234-123412341234}" type="slidenum">
-              <a:rPr lang="en"/>
-              <a:t>‹#›</a:t>
-            </a:fld>
-            <a:endParaRPr/>
           </a:p>
         </p:txBody>
       </p:sp>
@@ -27382,6 +27524,285 @@
 </file>
 
 <file path=ppt/theme/theme2.xml><?xml version="1.0" encoding="utf-8"?>
+<a:theme xmlns:a="http://schemas.openxmlformats.org/drawingml/2006/main" xmlns:r="http://schemas.openxmlformats.org/officeDocument/2006/relationships">
+  <a:themeElements>
+    <a:clrScheme name="Default">
+      <a:dk1>
+        <a:srgbClr val="000000"/>
+      </a:dk1>
+      <a:lt1>
+        <a:srgbClr val="FFFFFF"/>
+      </a:lt1>
+      <a:dk2>
+        <a:srgbClr val="158158"/>
+      </a:dk2>
+      <a:lt2>
+        <a:srgbClr val="F3F3F3"/>
+      </a:lt2>
+      <a:accent1>
+        <a:srgbClr val="058DC7"/>
+      </a:accent1>
+      <a:accent2>
+        <a:srgbClr val="50B432"/>
+      </a:accent2>
+      <a:accent3>
+        <a:srgbClr val="ED561B"/>
+      </a:accent3>
+      <a:accent4>
+        <a:srgbClr val="EDEF00"/>
+      </a:accent4>
+      <a:accent5>
+        <a:srgbClr val="24CBE5"/>
+      </a:accent5>
+      <a:accent6>
+        <a:srgbClr val="64E572"/>
+      </a:accent6>
+      <a:hlink>
+        <a:srgbClr val="2200CC"/>
+      </a:hlink>
+      <a:folHlink>
+        <a:srgbClr val="551A8B"/>
+      </a:folHlink>
+    </a:clrScheme>
+    <a:fontScheme name="Office">
+      <a:majorFont>
+        <a:latin typeface="Arial"/>
+        <a:ea typeface=""/>
+        <a:cs typeface=""/>
+        <a:font script="Jpan" typeface="ＭＳ Ｐゴシック"/>
+        <a:font script="Hang" typeface="맑은 고딕"/>
+        <a:font script="Hans" typeface="宋体"/>
+        <a:font script="Hant" typeface="新細明體"/>
+        <a:font script="Arab" typeface="Times New Roman"/>
+        <a:font script="Hebr" typeface="Times New Roman"/>
+        <a:font script="Thai" typeface="Angsana New"/>
+        <a:font script="Ethi" typeface="Nyala"/>
+        <a:font script="Beng" typeface="Vrinda"/>
+        <a:font script="Gujr" typeface="Shruti"/>
+        <a:font script="Khmr" typeface="MoolBoran"/>
+        <a:font script="Knda" typeface="Tunga"/>
+        <a:font script="Guru" typeface="Raavi"/>
+        <a:font script="Cans" typeface="Euphemia"/>
+        <a:font script="Cher" typeface="Plantagenet Cherokee"/>
+        <a:font script="Yiii" typeface="Microsoft Yi Baiti"/>
+        <a:font script="Tibt" typeface="Microsoft Himalaya"/>
+        <a:font script="Thaa" typeface="MV Boli"/>
+        <a:font script="Deva" typeface="Mangal"/>
+        <a:font script="Telu" typeface="Gautami"/>
+        <a:font script="Taml" typeface="Latha"/>
+        <a:font script="Syrc" typeface="Estrangelo Edessa"/>
+        <a:font script="Orya" typeface="Kalinga"/>
+        <a:font script="Mlym" typeface="Kartika"/>
+        <a:font script="Laoo" typeface="DokChampa"/>
+        <a:font script="Sinh" typeface="Iskoola Pota"/>
+        <a:font script="Mong" typeface="Mongolian Baiti"/>
+        <a:font script="Viet" typeface="Times New Roman"/>
+        <a:font script="Uigh" typeface="Microsoft Uighur"/>
+        <a:font script="Geor" typeface="Sylfaen"/>
+      </a:majorFont>
+      <a:minorFont>
+        <a:latin typeface="Arial"/>
+        <a:ea typeface=""/>
+        <a:cs typeface=""/>
+        <a:font script="Jpan" typeface="ＭＳ Ｐゴシック"/>
+        <a:font script="Hang" typeface="맑은 고딕"/>
+        <a:font script="Hans" typeface="宋体"/>
+        <a:font script="Hant" typeface="新細明體"/>
+        <a:font script="Arab" typeface="Arial"/>
+        <a:font script="Hebr" typeface="Arial"/>
+        <a:font script="Thai" typeface="Cordia New"/>
+        <a:font script="Ethi" typeface="Nyala"/>
+        <a:font script="Beng" typeface="Vrinda"/>
+        <a:font script="Gujr" typeface="Shruti"/>
+        <a:font script="Khmr" typeface="DaunPenh"/>
+        <a:font script="Knda" typeface="Tunga"/>
+        <a:font script="Guru" typeface="Raavi"/>
+        <a:font script="Cans" typeface="Euphemia"/>
+        <a:font script="Cher" typeface="Plantagenet Cherokee"/>
+        <a:font script="Yiii" typeface="Microsoft Yi Baiti"/>
+        <a:font script="Tibt" typeface="Microsoft Himalaya"/>
+        <a:font script="Thaa" typeface="MV Boli"/>
+        <a:font script="Deva" typeface="Mangal"/>
+        <a:font script="Telu" typeface="Gautami"/>
+        <a:font script="Taml" typeface="Latha"/>
+        <a:font script="Syrc" typeface="Estrangelo Edessa"/>
+        <a:font script="Orya" typeface="Kalinga"/>
+        <a:font script="Mlym" typeface="Kartika"/>
+        <a:font script="Laoo" typeface="DokChampa"/>
+        <a:font script="Sinh" typeface="Iskoola Pota"/>
+        <a:font script="Mong" typeface="Mongolian Baiti"/>
+        <a:font script="Viet" typeface="Arial"/>
+        <a:font script="Uigh" typeface="Microsoft Uighur"/>
+        <a:font script="Geor" typeface="Sylfaen"/>
+      </a:minorFont>
+    </a:fontScheme>
+    <a:fmtScheme name="Office">
+      <a:fillStyleLst>
+        <a:solidFill>
+          <a:schemeClr val="phClr"/>
+        </a:solidFill>
+        <a:gradFill rotWithShape="1">
+          <a:gsLst>
+            <a:gs pos="0">
+              <a:schemeClr val="phClr">
+                <a:tint val="50000"/>
+                <a:satMod val="300000"/>
+              </a:schemeClr>
+            </a:gs>
+            <a:gs pos="35000">
+              <a:schemeClr val="phClr">
+                <a:tint val="37000"/>
+                <a:satMod val="300000"/>
+              </a:schemeClr>
+            </a:gs>
+            <a:gs pos="100000">
+              <a:schemeClr val="phClr">
+                <a:tint val="15000"/>
+                <a:satMod val="350000"/>
+              </a:schemeClr>
+            </a:gs>
+          </a:gsLst>
+          <a:lin ang="16200000" scaled="1"/>
+        </a:gradFill>
+        <a:gradFill rotWithShape="1">
+          <a:gsLst>
+            <a:gs pos="0">
+              <a:schemeClr val="phClr">
+                <a:tint val="100000"/>
+                <a:shade val="100000"/>
+                <a:satMod val="130000"/>
+              </a:schemeClr>
+            </a:gs>
+            <a:gs pos="100000">
+              <a:schemeClr val="phClr">
+                <a:tint val="50000"/>
+                <a:shade val="100000"/>
+                <a:satMod val="350000"/>
+              </a:schemeClr>
+            </a:gs>
+          </a:gsLst>
+          <a:lin ang="16200000" scaled="0"/>
+        </a:gradFill>
+      </a:fillStyleLst>
+      <a:lnStyleLst>
+        <a:ln w="9525" cap="flat" cmpd="sng" algn="ctr">
+          <a:solidFill>
+            <a:schemeClr val="phClr">
+              <a:shade val="95000"/>
+              <a:satMod val="105000"/>
+            </a:schemeClr>
+          </a:solidFill>
+          <a:prstDash val="solid"/>
+        </a:ln>
+        <a:ln w="25400" cap="flat" cmpd="sng" algn="ctr">
+          <a:solidFill>
+            <a:schemeClr val="phClr"/>
+          </a:solidFill>
+          <a:prstDash val="solid"/>
+        </a:ln>
+        <a:ln w="38100" cap="flat" cmpd="sng" algn="ctr">
+          <a:solidFill>
+            <a:schemeClr val="phClr"/>
+          </a:solidFill>
+          <a:prstDash val="solid"/>
+        </a:ln>
+      </a:lnStyleLst>
+      <a:effectStyleLst>
+        <a:effectStyle>
+          <a:effectLst>
+            <a:outerShdw blurRad="40000" dist="20000" dir="5400000" rotWithShape="0">
+              <a:srgbClr val="000000">
+                <a:alpha val="38000"/>
+              </a:srgbClr>
+            </a:outerShdw>
+          </a:effectLst>
+        </a:effectStyle>
+        <a:effectStyle>
+          <a:effectLst>
+            <a:outerShdw blurRad="40000" dist="23000" dir="5400000" rotWithShape="0">
+              <a:srgbClr val="000000">
+                <a:alpha val="35000"/>
+              </a:srgbClr>
+            </a:outerShdw>
+          </a:effectLst>
+        </a:effectStyle>
+        <a:effectStyle>
+          <a:effectLst>
+            <a:outerShdw blurRad="40000" dist="23000" dir="5400000" rotWithShape="0">
+              <a:srgbClr val="000000">
+                <a:alpha val="35000"/>
+              </a:srgbClr>
+            </a:outerShdw>
+          </a:effectLst>
+          <a:scene3d>
+            <a:camera prst="orthographicFront">
+              <a:rot lat="0" lon="0" rev="0"/>
+            </a:camera>
+            <a:lightRig rig="threePt" dir="t">
+              <a:rot lat="0" lon="0" rev="1200000"/>
+            </a:lightRig>
+          </a:scene3d>
+          <a:sp3d>
+            <a:bevelT w="63500" h="25400"/>
+          </a:sp3d>
+        </a:effectStyle>
+      </a:effectStyleLst>
+      <a:bgFillStyleLst>
+        <a:solidFill>
+          <a:schemeClr val="phClr"/>
+        </a:solidFill>
+        <a:gradFill rotWithShape="1">
+          <a:gsLst>
+            <a:gs pos="0">
+              <a:schemeClr val="phClr">
+                <a:tint val="40000"/>
+                <a:satMod val="350000"/>
+              </a:schemeClr>
+            </a:gs>
+            <a:gs pos="40000">
+              <a:schemeClr val="phClr">
+                <a:tint val="45000"/>
+                <a:shade val="99000"/>
+                <a:satMod val="350000"/>
+              </a:schemeClr>
+            </a:gs>
+            <a:gs pos="100000">
+              <a:schemeClr val="phClr">
+                <a:shade val="20000"/>
+                <a:satMod val="255000"/>
+              </a:schemeClr>
+            </a:gs>
+          </a:gsLst>
+          <a:path path="circle">
+            <a:fillToRect l="50000" t="-80000" r="50000" b="180000"/>
+          </a:path>
+        </a:gradFill>
+        <a:gradFill rotWithShape="1">
+          <a:gsLst>
+            <a:gs pos="0">
+              <a:schemeClr val="phClr">
+                <a:tint val="80000"/>
+                <a:satMod val="300000"/>
+              </a:schemeClr>
+            </a:gs>
+            <a:gs pos="100000">
+              <a:schemeClr val="phClr">
+                <a:shade val="30000"/>
+                <a:satMod val="200000"/>
+              </a:schemeClr>
+            </a:gs>
+          </a:gsLst>
+          <a:path path="circle">
+            <a:fillToRect l="50000" t="50000" r="50000" b="50000"/>
+          </a:path>
+        </a:gradFill>
+      </a:bgFillStyleLst>
+    </a:fmtScheme>
+  </a:themeElements>
+</a:theme>
+</file>
+
+<file path=ppt/theme/theme3.xml><?xml version="1.0" encoding="utf-8"?>
 <a:theme xmlns:a="http://schemas.openxmlformats.org/drawingml/2006/main" xmlns:r="http://schemas.openxmlformats.org/officeDocument/2006/relationships" name="Simple Light">
   <a:themeElements>
     <a:clrScheme name="Simple Light">
@@ -27658,283 +28079,4 @@
     </a:fmtScheme>
   </a:themeElements>
 </a:theme>
-</file>
-
-<file path=ppt/theme/theme3.xml><?xml version="1.0" encoding="utf-8"?>
-<a:theme xmlns:a="http://schemas.openxmlformats.org/drawingml/2006/main" xmlns:r="http://schemas.openxmlformats.org/officeDocument/2006/relationships">
-  <a:themeElements>
-    <a:clrScheme name="Default">
-      <a:dk1>
-        <a:srgbClr val="000000"/>
-      </a:dk1>
-      <a:lt1>
-        <a:srgbClr val="FFFFFF"/>
-      </a:lt1>
-      <a:dk2>
-        <a:srgbClr val="158158"/>
-      </a:dk2>
-      <a:lt2>
-        <a:srgbClr val="F3F3F3"/>
-      </a:lt2>
-      <a:accent1>
-        <a:srgbClr val="058DC7"/>
-      </a:accent1>
-      <a:accent2>
-        <a:srgbClr val="50B432"/>
-      </a:accent2>
-      <a:accent3>
-        <a:srgbClr val="ED561B"/>
-      </a:accent3>
-      <a:accent4>
-        <a:srgbClr val="EDEF00"/>
-      </a:accent4>
-      <a:accent5>
-        <a:srgbClr val="24CBE5"/>
-      </a:accent5>
-      <a:accent6>
-        <a:srgbClr val="64E572"/>
-      </a:accent6>
-      <a:hlink>
-        <a:srgbClr val="2200CC"/>
-      </a:hlink>
-      <a:folHlink>
-        <a:srgbClr val="551A8B"/>
-      </a:folHlink>
-    </a:clrScheme>
-    <a:fontScheme name="Office">
-      <a:majorFont>
-        <a:latin typeface="Arial"/>
-        <a:ea typeface=""/>
-        <a:cs typeface=""/>
-        <a:font script="Jpan" typeface="ＭＳ Ｐゴシック"/>
-        <a:font script="Hang" typeface="맑은 고딕"/>
-        <a:font script="Hans" typeface="宋体"/>
-        <a:font script="Hant" typeface="新細明體"/>
-        <a:font script="Arab" typeface="Times New Roman"/>
-        <a:font script="Hebr" typeface="Times New Roman"/>
-        <a:font script="Thai" typeface="Angsana New"/>
-        <a:font script="Ethi" typeface="Nyala"/>
-        <a:font script="Beng" typeface="Vrinda"/>
-        <a:font script="Gujr" typeface="Shruti"/>
-        <a:font script="Khmr" typeface="MoolBoran"/>
-        <a:font script="Knda" typeface="Tunga"/>
-        <a:font script="Guru" typeface="Raavi"/>
-        <a:font script="Cans" typeface="Euphemia"/>
-        <a:font script="Cher" typeface="Plantagenet Cherokee"/>
-        <a:font script="Yiii" typeface="Microsoft Yi Baiti"/>
-        <a:font script="Tibt" typeface="Microsoft Himalaya"/>
-        <a:font script="Thaa" typeface="MV Boli"/>
-        <a:font script="Deva" typeface="Mangal"/>
-        <a:font script="Telu" typeface="Gautami"/>
-        <a:font script="Taml" typeface="Latha"/>
-        <a:font script="Syrc" typeface="Estrangelo Edessa"/>
-        <a:font script="Orya" typeface="Kalinga"/>
-        <a:font script="Mlym" typeface="Kartika"/>
-        <a:font script="Laoo" typeface="DokChampa"/>
-        <a:font script="Sinh" typeface="Iskoola Pota"/>
-        <a:font script="Mong" typeface="Mongolian Baiti"/>
-        <a:font script="Viet" typeface="Times New Roman"/>
-        <a:font script="Uigh" typeface="Microsoft Uighur"/>
-        <a:font script="Geor" typeface="Sylfaen"/>
-      </a:majorFont>
-      <a:minorFont>
-        <a:latin typeface="Arial"/>
-        <a:ea typeface=""/>
-        <a:cs typeface=""/>
-        <a:font script="Jpan" typeface="ＭＳ Ｐゴシック"/>
-        <a:font script="Hang" typeface="맑은 고딕"/>
-        <a:font script="Hans" typeface="宋体"/>
-        <a:font script="Hant" typeface="新細明體"/>
-        <a:font script="Arab" typeface="Arial"/>
-        <a:font script="Hebr" typeface="Arial"/>
-        <a:font script="Thai" typeface="Cordia New"/>
-        <a:font script="Ethi" typeface="Nyala"/>
-        <a:font script="Beng" typeface="Vrinda"/>
-        <a:font script="Gujr" typeface="Shruti"/>
-        <a:font script="Khmr" typeface="DaunPenh"/>
-        <a:font script="Knda" typeface="Tunga"/>
-        <a:font script="Guru" typeface="Raavi"/>
-        <a:font script="Cans" typeface="Euphemia"/>
-        <a:font script="Cher" typeface="Plantagenet Cherokee"/>
-        <a:font script="Yiii" typeface="Microsoft Yi Baiti"/>
-        <a:font script="Tibt" typeface="Microsoft Himalaya"/>
-        <a:font script="Thaa" typeface="MV Boli"/>
-        <a:font script="Deva" typeface="Mangal"/>
-        <a:font script="Telu" typeface="Gautami"/>
-        <a:font script="Taml" typeface="Latha"/>
-        <a:font script="Syrc" typeface="Estrangelo Edessa"/>
-        <a:font script="Orya" typeface="Kalinga"/>
-        <a:font script="Mlym" typeface="Kartika"/>
-        <a:font script="Laoo" typeface="DokChampa"/>
-        <a:font script="Sinh" typeface="Iskoola Pota"/>
-        <a:font script="Mong" typeface="Mongolian Baiti"/>
-        <a:font script="Viet" typeface="Arial"/>
-        <a:font script="Uigh" typeface="Microsoft Uighur"/>
-        <a:font script="Geor" typeface="Sylfaen"/>
-      </a:minorFont>
-    </a:fontScheme>
-    <a:fmtScheme name="Office">
-      <a:fillStyleLst>
-        <a:solidFill>
-          <a:schemeClr val="phClr"/>
-        </a:solidFill>
-        <a:gradFill rotWithShape="1">
-          <a:gsLst>
-            <a:gs pos="0">
-              <a:schemeClr val="phClr">
-                <a:tint val="50000"/>
-                <a:satMod val="300000"/>
-              </a:schemeClr>
-            </a:gs>
-            <a:gs pos="35000">
-              <a:schemeClr val="phClr">
-                <a:tint val="37000"/>
-                <a:satMod val="300000"/>
-              </a:schemeClr>
-            </a:gs>
-            <a:gs pos="100000">
-              <a:schemeClr val="phClr">
-                <a:tint val="15000"/>
-                <a:satMod val="350000"/>
-              </a:schemeClr>
-            </a:gs>
-          </a:gsLst>
-          <a:lin ang="16200000" scaled="1"/>
-        </a:gradFill>
-        <a:gradFill rotWithShape="1">
-          <a:gsLst>
-            <a:gs pos="0">
-              <a:schemeClr val="phClr">
-                <a:tint val="100000"/>
-                <a:shade val="100000"/>
-                <a:satMod val="130000"/>
-              </a:schemeClr>
-            </a:gs>
-            <a:gs pos="100000">
-              <a:schemeClr val="phClr">
-                <a:tint val="50000"/>
-                <a:shade val="100000"/>
-                <a:satMod val="350000"/>
-              </a:schemeClr>
-            </a:gs>
-          </a:gsLst>
-          <a:lin ang="16200000" scaled="0"/>
-        </a:gradFill>
-      </a:fillStyleLst>
-      <a:lnStyleLst>
-        <a:ln w="9525" cap="flat" cmpd="sng" algn="ctr">
-          <a:solidFill>
-            <a:schemeClr val="phClr">
-              <a:shade val="95000"/>
-              <a:satMod val="105000"/>
-            </a:schemeClr>
-          </a:solidFill>
-          <a:prstDash val="solid"/>
-        </a:ln>
-        <a:ln w="25400" cap="flat" cmpd="sng" algn="ctr">
-          <a:solidFill>
-            <a:schemeClr val="phClr"/>
-          </a:solidFill>
-          <a:prstDash val="solid"/>
-        </a:ln>
-        <a:ln w="38100" cap="flat" cmpd="sng" algn="ctr">
-          <a:solidFill>
-            <a:schemeClr val="phClr"/>
-          </a:solidFill>
-          <a:prstDash val="solid"/>
-        </a:ln>
-      </a:lnStyleLst>
-      <a:effectStyleLst>
-        <a:effectStyle>
-          <a:effectLst>
-            <a:outerShdw blurRad="40000" dist="20000" dir="5400000" rotWithShape="0">
-              <a:srgbClr val="000000">
-                <a:alpha val="38000"/>
-              </a:srgbClr>
-            </a:outerShdw>
-          </a:effectLst>
-        </a:effectStyle>
-        <a:effectStyle>
-          <a:effectLst>
-            <a:outerShdw blurRad="40000" dist="23000" dir="5400000" rotWithShape="0">
-              <a:srgbClr val="000000">
-                <a:alpha val="35000"/>
-              </a:srgbClr>
-            </a:outerShdw>
-          </a:effectLst>
-        </a:effectStyle>
-        <a:effectStyle>
-          <a:effectLst>
-            <a:outerShdw blurRad="40000" dist="23000" dir="5400000" rotWithShape="0">
-              <a:srgbClr val="000000">
-                <a:alpha val="35000"/>
-              </a:srgbClr>
-            </a:outerShdw>
-          </a:effectLst>
-          <a:scene3d>
-            <a:camera prst="orthographicFront">
-              <a:rot lat="0" lon="0" rev="0"/>
-            </a:camera>
-            <a:lightRig rig="threePt" dir="t">
-              <a:rot lat="0" lon="0" rev="1200000"/>
-            </a:lightRig>
-          </a:scene3d>
-          <a:sp3d>
-            <a:bevelT w="63500" h="25400"/>
-          </a:sp3d>
-        </a:effectStyle>
-      </a:effectStyleLst>
-      <a:bgFillStyleLst>
-        <a:solidFill>
-          <a:schemeClr val="phClr"/>
-        </a:solidFill>
-        <a:gradFill rotWithShape="1">
-          <a:gsLst>
-            <a:gs pos="0">
-              <a:schemeClr val="phClr">
-                <a:tint val="40000"/>
-                <a:satMod val="350000"/>
-              </a:schemeClr>
-            </a:gs>
-            <a:gs pos="40000">
-              <a:schemeClr val="phClr">
-                <a:tint val="45000"/>
-                <a:shade val="99000"/>
-                <a:satMod val="350000"/>
-              </a:schemeClr>
-            </a:gs>
-            <a:gs pos="100000">
-              <a:schemeClr val="phClr">
-                <a:shade val="20000"/>
-                <a:satMod val="255000"/>
-              </a:schemeClr>
-            </a:gs>
-          </a:gsLst>
-          <a:path path="circle">
-            <a:fillToRect l="50000" t="-80000" r="50000" b="180000"/>
-          </a:path>
-        </a:gradFill>
-        <a:gradFill rotWithShape="1">
-          <a:gsLst>
-            <a:gs pos="0">
-              <a:schemeClr val="phClr">
-                <a:tint val="80000"/>
-                <a:satMod val="300000"/>
-              </a:schemeClr>
-            </a:gs>
-            <a:gs pos="100000">
-              <a:schemeClr val="phClr">
-                <a:shade val="30000"/>
-                <a:satMod val="200000"/>
-              </a:schemeClr>
-            </a:gs>
-          </a:gsLst>
-          <a:path path="circle">
-            <a:fillToRect l="50000" t="50000" r="50000" b="50000"/>
-          </a:path>
-        </a:gradFill>
-      </a:bgFillStyleLst>
-    </a:fmtScheme>
-  </a:themeElements>
-</a:theme>
 </file>